--- a/elasticsearch/basic.pptx
+++ b/elasticsearch/basic.pptx
@@ -5,15 +5,16 @@
     <p:sldMasterId id="2147483648" r:id="rId1"/>
   </p:sldMasterIdLst>
   <p:notesMasterIdLst>
-    <p:notesMasterId r:id="rId8"/>
+    <p:notesMasterId r:id="rId9"/>
   </p:notesMasterIdLst>
   <p:sldIdLst>
     <p:sldId id="256" r:id="rId2"/>
     <p:sldId id="257" r:id="rId3"/>
-    <p:sldId id="258" r:id="rId4"/>
-    <p:sldId id="259" r:id="rId5"/>
-    <p:sldId id="260" r:id="rId6"/>
-    <p:sldId id="261" r:id="rId7"/>
+    <p:sldId id="261" r:id="rId4"/>
+    <p:sldId id="258" r:id="rId5"/>
+    <p:sldId id="259" r:id="rId6"/>
+    <p:sldId id="260" r:id="rId7"/>
+    <p:sldId id="263" r:id="rId8"/>
   </p:sldIdLst>
   <p:sldSz cx="12192000" cy="6858000"/>
   <p:notesSz cx="6858000" cy="9144000"/>
@@ -119,13 +120,17 @@
           <p14:sldIdLst>
             <p14:sldId id="256"/>
             <p14:sldId id="257"/>
+            <p14:sldId id="261"/>
             <p14:sldId id="258"/>
             <p14:sldId id="259"/>
             <p14:sldId id="260"/>
-            <p14:sldId id="261"/>
+            <p14:sldId id="263"/>
           </p14:sldIdLst>
         </p14:section>
       </p14:sectionLst>
+    </p:ext>
+    <p:ext uri="{EFAFB233-063F-42B5-8137-9DF3F51BA10A}">
+      <p15:sldGuideLst xmlns:p15="http://schemas.microsoft.com/office/powerpoint/2012/main"/>
     </p:ext>
   </p:extLst>
 </p:presentation>
@@ -213,7 +218,7 @@
           <a:p>
             <a:fld id="{B1F23D4C-8E3F-44C6-B257-CA0DE86C79E1}" type="datetimeFigureOut">
               <a:rPr lang="zh-CN" altLang="en-US" smtClean="0"/>
-              <a:t>2019/6/16</a:t>
+              <a:t>2019/6/29</a:t>
             </a:fld>
             <a:endParaRPr lang="zh-CN" altLang="en-US"/>
           </a:p>
@@ -277,38 +282,37 @@
           <a:p>
             <a:pPr lvl="0"/>
             <a:r>
-              <a:rPr lang="zh-CN" altLang="en-US" smtClean="0"/>
+              <a:rPr lang="zh-CN" altLang="en-US"/>
               <a:t>编辑母版文本样式</a:t>
             </a:r>
           </a:p>
           <a:p>
             <a:pPr lvl="1"/>
             <a:r>
-              <a:rPr lang="zh-CN" altLang="en-US" smtClean="0"/>
+              <a:rPr lang="zh-CN" altLang="en-US"/>
               <a:t>第二级</a:t>
             </a:r>
           </a:p>
           <a:p>
             <a:pPr lvl="2"/>
             <a:r>
-              <a:rPr lang="zh-CN" altLang="en-US" smtClean="0"/>
+              <a:rPr lang="zh-CN" altLang="en-US"/>
               <a:t>第三级</a:t>
             </a:r>
           </a:p>
           <a:p>
             <a:pPr lvl="3"/>
             <a:r>
-              <a:rPr lang="zh-CN" altLang="en-US" smtClean="0"/>
+              <a:rPr lang="zh-CN" altLang="en-US"/>
               <a:t>第四级</a:t>
             </a:r>
           </a:p>
           <a:p>
             <a:pPr lvl="4"/>
             <a:r>
-              <a:rPr lang="zh-CN" altLang="en-US" smtClean="0"/>
+              <a:rPr lang="zh-CN" altLang="en-US"/>
               <a:t>第五级</a:t>
             </a:r>
-            <a:endParaRPr lang="zh-CN" altLang="en-US"/>
           </a:p>
         </p:txBody>
       </p:sp>
@@ -525,6 +529,114 @@
           <a:bodyPr/>
           <a:lstStyle/>
           <a:p>
+            <a:r>
+              <a:rPr lang="zh-CN" altLang="en-US" dirty="0"/>
+              <a:t>集群健康</a:t>
+            </a:r>
+            <a:r>
+              <a:rPr lang="en-US" altLang="zh-CN" dirty="0"/>
+              <a:t>(get): http://localhost:9200/_cat/health?v</a:t>
+            </a:r>
+          </a:p>
+          <a:p>
+            <a:r>
+              <a:rPr lang="zh-CN" altLang="en-US" dirty="0"/>
+              <a:t>节点个数</a:t>
+            </a:r>
+            <a:r>
+              <a:rPr lang="en-US" altLang="zh-CN" dirty="0"/>
+              <a:t>(get): http://localhost:9200/_cat/nodes?v</a:t>
+            </a:r>
+          </a:p>
+          <a:p>
+            <a:r>
+              <a:rPr lang="zh-CN" altLang="en-US" dirty="0"/>
+              <a:t>列举所有</a:t>
+            </a:r>
+            <a:r>
+              <a:rPr lang="en-US" altLang="zh-CN" dirty="0"/>
+              <a:t>index(get): http://localhost:9200/_cat/indices?v</a:t>
+            </a:r>
+          </a:p>
+          <a:p>
+            <a:r>
+              <a:rPr lang="zh-CN" altLang="en-US" dirty="0"/>
+              <a:t>创建</a:t>
+            </a:r>
+            <a:r>
+              <a:rPr lang="en-US" altLang="zh-CN" dirty="0"/>
+              <a:t>index(put): http://localhost:9200/customer</a:t>
+            </a:r>
+          </a:p>
+          <a:p>
+            <a:r>
+              <a:rPr lang="zh-CN" altLang="en-US" dirty="0"/>
+              <a:t>删除</a:t>
+            </a:r>
+            <a:r>
+              <a:rPr lang="en-US" altLang="zh-CN" dirty="0"/>
+              <a:t>index(delete): http://localhost:9200/customer</a:t>
+            </a:r>
+          </a:p>
+          <a:p>
+            <a:r>
+              <a:rPr lang="zh-CN" altLang="en-US" dirty="0"/>
+              <a:t>创建</a:t>
+            </a:r>
+            <a:r>
+              <a:rPr lang="en-US" altLang="zh-CN" dirty="0"/>
+              <a:t>document(put): http://localhost:9200/customer/doc/1</a:t>
+            </a:r>
+          </a:p>
+          <a:p>
+            <a:r>
+              <a:rPr lang="en-US" altLang="zh-CN" dirty="0"/>
+              <a:t>	 {"</a:t>
+            </a:r>
+            <a:r>
+              <a:rPr lang="en-US" altLang="zh-CN" dirty="0" err="1"/>
+              <a:t>name":"John</a:t>
+            </a:r>
+            <a:r>
+              <a:rPr lang="en-US" altLang="zh-CN" dirty="0"/>
+              <a:t> Doe“,"age“:20}</a:t>
+            </a:r>
+          </a:p>
+          <a:p>
+            <a:r>
+              <a:rPr lang="zh-CN" altLang="en-US" dirty="0"/>
+              <a:t>查询</a:t>
+            </a:r>
+            <a:r>
+              <a:rPr lang="en-US" altLang="zh-CN" dirty="0"/>
+              <a:t>document(get): http://localhost:9200/customer/doc/1</a:t>
+            </a:r>
+          </a:p>
+          <a:p>
+            <a:r>
+              <a:rPr lang="zh-CN" altLang="en-US" dirty="0"/>
+              <a:t>更新</a:t>
+            </a:r>
+            <a:r>
+              <a:rPr lang="en-US" altLang="zh-CN" dirty="0"/>
+              <a:t>document(post): http://localhost:9200/customer/doc/1</a:t>
+            </a:r>
+          </a:p>
+          <a:p>
+            <a:r>
+              <a:rPr lang="en-US" altLang="zh-CN" dirty="0"/>
+              <a:t>	 { "name": "Jane Doe","age":12 }</a:t>
+            </a:r>
+          </a:p>
+          <a:p>
+            <a:r>
+              <a:rPr lang="zh-CN" altLang="en-US" dirty="0"/>
+              <a:t>删除</a:t>
+            </a:r>
+            <a:r>
+              <a:rPr lang="en-US" altLang="zh-CN" dirty="0"/>
+              <a:t>document(delete): http://localhost:9200/customer/doc/1</a:t>
+            </a:r>
             <a:endParaRPr lang="zh-CN" altLang="en-US" dirty="0"/>
           </a:p>
         </p:txBody>
@@ -536,7 +648,7 @@
             <a:spLocks noGrp="1"/>
           </p:cNvSpPr>
           <p:nvPr>
-            <p:ph type="sldNum" sz="quarter" idx="10"/>
+            <p:ph type="sldNum" sz="quarter" idx="5"/>
           </p:nvPr>
         </p:nvSpPr>
         <p:spPr/>
@@ -546,7 +658,91 @@
           <a:p>
             <a:fld id="{3C312F5C-1756-4607-BD7D-CECE1D7D71FB}" type="slidenum">
               <a:rPr lang="zh-CN" altLang="en-US" smtClean="0"/>
-              <a:t>5</a:t>
+              <a:t>3</a:t>
+            </a:fld>
+            <a:endParaRPr lang="zh-CN" altLang="en-US"/>
+          </a:p>
+        </p:txBody>
+      </p:sp>
+    </p:spTree>
+    <p:extLst>
+      <p:ext uri="{BB962C8B-B14F-4D97-AF65-F5344CB8AC3E}">
+        <p14:creationId xmlns:p14="http://schemas.microsoft.com/office/powerpoint/2010/main" val="707788244"/>
+      </p:ext>
+    </p:extLst>
+  </p:cSld>
+  <p:clrMapOvr>
+    <a:masterClrMapping/>
+  </p:clrMapOvr>
+</p:notes>
+</file>
+
+<file path=ppt/notesSlides/notesSlide2.xml><?xml version="1.0" encoding="utf-8"?>
+<p:notes xmlns:a="http://schemas.openxmlformats.org/drawingml/2006/main" xmlns:r="http://schemas.openxmlformats.org/officeDocument/2006/relationships" xmlns:p="http://schemas.openxmlformats.org/presentationml/2006/main">
+  <p:cSld>
+    <p:spTree>
+      <p:nvGrpSpPr>
+        <p:cNvPr id="1" name=""/>
+        <p:cNvGrpSpPr/>
+        <p:nvPr/>
+      </p:nvGrpSpPr>
+      <p:grpSpPr>
+        <a:xfrm>
+          <a:off x="0" y="0"/>
+          <a:ext cx="0" cy="0"/>
+          <a:chOff x="0" y="0"/>
+          <a:chExt cx="0" cy="0"/>
+        </a:xfrm>
+      </p:grpSpPr>
+      <p:sp>
+        <p:nvSpPr>
+          <p:cNvPr id="2" name="幻灯片图像占位符 1"/>
+          <p:cNvSpPr>
+            <a:spLocks noGrp="1" noRot="1" noChangeAspect="1"/>
+          </p:cNvSpPr>
+          <p:nvPr>
+            <p:ph type="sldImg"/>
+          </p:nvPr>
+        </p:nvSpPr>
+        <p:spPr/>
+      </p:sp>
+      <p:sp>
+        <p:nvSpPr>
+          <p:cNvPr id="3" name="备注占位符 2"/>
+          <p:cNvSpPr>
+            <a:spLocks noGrp="1"/>
+          </p:cNvSpPr>
+          <p:nvPr>
+            <p:ph type="body" idx="1"/>
+          </p:nvPr>
+        </p:nvSpPr>
+        <p:spPr/>
+        <p:txBody>
+          <a:bodyPr/>
+          <a:lstStyle/>
+          <a:p>
+            <a:endParaRPr lang="zh-CN" altLang="en-US" dirty="0"/>
+          </a:p>
+        </p:txBody>
+      </p:sp>
+      <p:sp>
+        <p:nvSpPr>
+          <p:cNvPr id="4" name="灯片编号占位符 3"/>
+          <p:cNvSpPr>
+            <a:spLocks noGrp="1"/>
+          </p:cNvSpPr>
+          <p:nvPr>
+            <p:ph type="sldNum" sz="quarter" idx="10"/>
+          </p:nvPr>
+        </p:nvSpPr>
+        <p:spPr/>
+        <p:txBody>
+          <a:bodyPr/>
+          <a:lstStyle/>
+          <a:p>
+            <a:fld id="{3C312F5C-1756-4607-BD7D-CECE1D7D71FB}" type="slidenum">
+              <a:rPr lang="zh-CN" altLang="en-US" smtClean="0"/>
+              <a:t>6</a:t>
             </a:fld>
             <a:endParaRPr lang="zh-CN" altLang="en-US"/>
           </a:p>
@@ -556,6 +752,90 @@
     <p:extLst>
       <p:ext uri="{BB962C8B-B14F-4D97-AF65-F5344CB8AC3E}">
         <p14:creationId xmlns:p14="http://schemas.microsoft.com/office/powerpoint/2010/main" val="2156031726"/>
+      </p:ext>
+    </p:extLst>
+  </p:cSld>
+  <p:clrMapOvr>
+    <a:masterClrMapping/>
+  </p:clrMapOvr>
+</p:notes>
+</file>
+
+<file path=ppt/notesSlides/notesSlide3.xml><?xml version="1.0" encoding="utf-8"?>
+<p:notes xmlns:a="http://schemas.openxmlformats.org/drawingml/2006/main" xmlns:r="http://schemas.openxmlformats.org/officeDocument/2006/relationships" xmlns:p="http://schemas.openxmlformats.org/presentationml/2006/main">
+  <p:cSld>
+    <p:spTree>
+      <p:nvGrpSpPr>
+        <p:cNvPr id="1" name=""/>
+        <p:cNvGrpSpPr/>
+        <p:nvPr/>
+      </p:nvGrpSpPr>
+      <p:grpSpPr>
+        <a:xfrm>
+          <a:off x="0" y="0"/>
+          <a:ext cx="0" cy="0"/>
+          <a:chOff x="0" y="0"/>
+          <a:chExt cx="0" cy="0"/>
+        </a:xfrm>
+      </p:grpSpPr>
+      <p:sp>
+        <p:nvSpPr>
+          <p:cNvPr id="2" name="幻灯片图像占位符 1"/>
+          <p:cNvSpPr>
+            <a:spLocks noGrp="1" noRot="1" noChangeAspect="1"/>
+          </p:cNvSpPr>
+          <p:nvPr>
+            <p:ph type="sldImg"/>
+          </p:nvPr>
+        </p:nvSpPr>
+        <p:spPr/>
+      </p:sp>
+      <p:sp>
+        <p:nvSpPr>
+          <p:cNvPr id="3" name="备注占位符 2"/>
+          <p:cNvSpPr>
+            <a:spLocks noGrp="1"/>
+          </p:cNvSpPr>
+          <p:nvPr>
+            <p:ph type="body" idx="1"/>
+          </p:nvPr>
+        </p:nvSpPr>
+        <p:spPr/>
+        <p:txBody>
+          <a:bodyPr/>
+          <a:lstStyle/>
+          <a:p>
+            <a:endParaRPr lang="zh-CN" altLang="en-US" dirty="0"/>
+          </a:p>
+        </p:txBody>
+      </p:sp>
+      <p:sp>
+        <p:nvSpPr>
+          <p:cNvPr id="4" name="灯片编号占位符 3"/>
+          <p:cNvSpPr>
+            <a:spLocks noGrp="1"/>
+          </p:cNvSpPr>
+          <p:nvPr>
+            <p:ph type="sldNum" sz="quarter" idx="5"/>
+          </p:nvPr>
+        </p:nvSpPr>
+        <p:spPr/>
+        <p:txBody>
+          <a:bodyPr/>
+          <a:lstStyle/>
+          <a:p>
+            <a:fld id="{3C312F5C-1756-4607-BD7D-CECE1D7D71FB}" type="slidenum">
+              <a:rPr lang="zh-CN" altLang="en-US" smtClean="0"/>
+              <a:t>7</a:t>
+            </a:fld>
+            <a:endParaRPr lang="zh-CN" altLang="en-US"/>
+          </a:p>
+        </p:txBody>
+      </p:sp>
+    </p:spTree>
+    <p:extLst>
+      <p:ext uri="{BB962C8B-B14F-4D97-AF65-F5344CB8AC3E}">
+        <p14:creationId xmlns:p14="http://schemas.microsoft.com/office/powerpoint/2010/main" val="1246706149"/>
       </p:ext>
     </p:extLst>
   </p:cSld>
@@ -607,10 +887,9 @@
           </a:lstStyle>
           <a:p>
             <a:r>
-              <a:rPr lang="zh-CN" altLang="en-US" smtClean="0"/>
+              <a:rPr lang="zh-CN" altLang="en-US"/>
               <a:t>单击此处编辑母版标题样式</a:t>
             </a:r>
-            <a:endParaRPr lang="zh-CN" altLang="en-US"/>
           </a:p>
         </p:txBody>
       </p:sp>
@@ -672,10 +951,9 @@
           </a:lstStyle>
           <a:p>
             <a:r>
-              <a:rPr lang="zh-CN" altLang="en-US" smtClean="0"/>
+              <a:rPr lang="zh-CN" altLang="en-US"/>
               <a:t>单击以编辑母版副标题样式</a:t>
             </a:r>
-            <a:endParaRPr lang="zh-CN" altLang="en-US"/>
           </a:p>
         </p:txBody>
       </p:sp>
@@ -696,7 +974,7 @@
           <a:p>
             <a:fld id="{5795B046-37D4-4C7D-A0DD-A3E900A8D716}" type="datetimeFigureOut">
               <a:rPr lang="zh-CN" altLang="en-US" smtClean="0"/>
-              <a:t>2019/6/16</a:t>
+              <a:t>2019/6/29</a:t>
             </a:fld>
             <a:endParaRPr lang="zh-CN" altLang="en-US"/>
           </a:p>
@@ -790,10 +1068,9 @@
           <a:lstStyle/>
           <a:p>
             <a:r>
-              <a:rPr lang="zh-CN" altLang="en-US" smtClean="0"/>
+              <a:rPr lang="zh-CN" altLang="en-US"/>
               <a:t>单击此处编辑母版标题样式</a:t>
             </a:r>
-            <a:endParaRPr lang="zh-CN" altLang="en-US"/>
           </a:p>
         </p:txBody>
       </p:sp>
@@ -814,38 +1091,37 @@
           <a:p>
             <a:pPr lvl="0"/>
             <a:r>
-              <a:rPr lang="zh-CN" altLang="en-US" smtClean="0"/>
+              <a:rPr lang="zh-CN" altLang="en-US"/>
               <a:t>编辑母版文本样式</a:t>
             </a:r>
           </a:p>
           <a:p>
             <a:pPr lvl="1"/>
             <a:r>
-              <a:rPr lang="zh-CN" altLang="en-US" smtClean="0"/>
+              <a:rPr lang="zh-CN" altLang="en-US"/>
               <a:t>第二级</a:t>
             </a:r>
           </a:p>
           <a:p>
             <a:pPr lvl="2"/>
             <a:r>
-              <a:rPr lang="zh-CN" altLang="en-US" smtClean="0"/>
+              <a:rPr lang="zh-CN" altLang="en-US"/>
               <a:t>第三级</a:t>
             </a:r>
           </a:p>
           <a:p>
             <a:pPr lvl="3"/>
             <a:r>
-              <a:rPr lang="zh-CN" altLang="en-US" smtClean="0"/>
+              <a:rPr lang="zh-CN" altLang="en-US"/>
               <a:t>第四级</a:t>
             </a:r>
           </a:p>
           <a:p>
             <a:pPr lvl="4"/>
             <a:r>
-              <a:rPr lang="zh-CN" altLang="en-US" smtClean="0"/>
+              <a:rPr lang="zh-CN" altLang="en-US"/>
               <a:t>第五级</a:t>
             </a:r>
-            <a:endParaRPr lang="zh-CN" altLang="en-US"/>
           </a:p>
         </p:txBody>
       </p:sp>
@@ -866,7 +1142,7 @@
           <a:p>
             <a:fld id="{5795B046-37D4-4C7D-A0DD-A3E900A8D716}" type="datetimeFigureOut">
               <a:rPr lang="zh-CN" altLang="en-US" smtClean="0"/>
-              <a:t>2019/6/16</a:t>
+              <a:t>2019/6/29</a:t>
             </a:fld>
             <a:endParaRPr lang="zh-CN" altLang="en-US"/>
           </a:p>
@@ -965,10 +1241,9 @@
           <a:lstStyle/>
           <a:p>
             <a:r>
-              <a:rPr lang="zh-CN" altLang="en-US" smtClean="0"/>
+              <a:rPr lang="zh-CN" altLang="en-US"/>
               <a:t>单击此处编辑母版标题样式</a:t>
             </a:r>
-            <a:endParaRPr lang="zh-CN" altLang="en-US"/>
           </a:p>
         </p:txBody>
       </p:sp>
@@ -994,38 +1269,37 @@
           <a:p>
             <a:pPr lvl="0"/>
             <a:r>
-              <a:rPr lang="zh-CN" altLang="en-US" smtClean="0"/>
+              <a:rPr lang="zh-CN" altLang="en-US"/>
               <a:t>编辑母版文本样式</a:t>
             </a:r>
           </a:p>
           <a:p>
             <a:pPr lvl="1"/>
             <a:r>
-              <a:rPr lang="zh-CN" altLang="en-US" smtClean="0"/>
+              <a:rPr lang="zh-CN" altLang="en-US"/>
               <a:t>第二级</a:t>
             </a:r>
           </a:p>
           <a:p>
             <a:pPr lvl="2"/>
             <a:r>
-              <a:rPr lang="zh-CN" altLang="en-US" smtClean="0"/>
+              <a:rPr lang="zh-CN" altLang="en-US"/>
               <a:t>第三级</a:t>
             </a:r>
           </a:p>
           <a:p>
             <a:pPr lvl="3"/>
             <a:r>
-              <a:rPr lang="zh-CN" altLang="en-US" smtClean="0"/>
+              <a:rPr lang="zh-CN" altLang="en-US"/>
               <a:t>第四级</a:t>
             </a:r>
           </a:p>
           <a:p>
             <a:pPr lvl="4"/>
             <a:r>
-              <a:rPr lang="zh-CN" altLang="en-US" smtClean="0"/>
+              <a:rPr lang="zh-CN" altLang="en-US"/>
               <a:t>第五级</a:t>
             </a:r>
-            <a:endParaRPr lang="zh-CN" altLang="en-US"/>
           </a:p>
         </p:txBody>
       </p:sp>
@@ -1046,7 +1320,7 @@
           <a:p>
             <a:fld id="{5795B046-37D4-4C7D-A0DD-A3E900A8D716}" type="datetimeFigureOut">
               <a:rPr lang="zh-CN" altLang="en-US" smtClean="0"/>
-              <a:t>2019/6/16</a:t>
+              <a:t>2019/6/29</a:t>
             </a:fld>
             <a:endParaRPr lang="zh-CN" altLang="en-US"/>
           </a:p>
@@ -1140,10 +1414,9 @@
           <a:lstStyle/>
           <a:p>
             <a:r>
-              <a:rPr lang="zh-CN" altLang="en-US" smtClean="0"/>
+              <a:rPr lang="zh-CN" altLang="en-US"/>
               <a:t>单击此处编辑母版标题样式</a:t>
             </a:r>
-            <a:endParaRPr lang="zh-CN" altLang="en-US"/>
           </a:p>
         </p:txBody>
       </p:sp>
@@ -1164,38 +1437,37 @@
           <a:p>
             <a:pPr lvl="0"/>
             <a:r>
-              <a:rPr lang="zh-CN" altLang="en-US" smtClean="0"/>
+              <a:rPr lang="zh-CN" altLang="en-US"/>
               <a:t>编辑母版文本样式</a:t>
             </a:r>
           </a:p>
           <a:p>
             <a:pPr lvl="1"/>
             <a:r>
-              <a:rPr lang="zh-CN" altLang="en-US" smtClean="0"/>
+              <a:rPr lang="zh-CN" altLang="en-US"/>
               <a:t>第二级</a:t>
             </a:r>
           </a:p>
           <a:p>
             <a:pPr lvl="2"/>
             <a:r>
-              <a:rPr lang="zh-CN" altLang="en-US" smtClean="0"/>
+              <a:rPr lang="zh-CN" altLang="en-US"/>
               <a:t>第三级</a:t>
             </a:r>
           </a:p>
           <a:p>
             <a:pPr lvl="3"/>
             <a:r>
-              <a:rPr lang="zh-CN" altLang="en-US" smtClean="0"/>
+              <a:rPr lang="zh-CN" altLang="en-US"/>
               <a:t>第四级</a:t>
             </a:r>
           </a:p>
           <a:p>
             <a:pPr lvl="4"/>
             <a:r>
-              <a:rPr lang="zh-CN" altLang="en-US" smtClean="0"/>
+              <a:rPr lang="zh-CN" altLang="en-US"/>
               <a:t>第五级</a:t>
             </a:r>
-            <a:endParaRPr lang="zh-CN" altLang="en-US"/>
           </a:p>
         </p:txBody>
       </p:sp>
@@ -1216,7 +1488,7 @@
           <a:p>
             <a:fld id="{5795B046-37D4-4C7D-A0DD-A3E900A8D716}" type="datetimeFigureOut">
               <a:rPr lang="zh-CN" altLang="en-US" smtClean="0"/>
-              <a:t>2019/6/16</a:t>
+              <a:t>2019/6/29</a:t>
             </a:fld>
             <a:endParaRPr lang="zh-CN" altLang="en-US"/>
           </a:p>
@@ -1319,10 +1591,9 @@
           </a:lstStyle>
           <a:p>
             <a:r>
-              <a:rPr lang="zh-CN" altLang="en-US" smtClean="0"/>
+              <a:rPr lang="zh-CN" altLang="en-US"/>
               <a:t>单击此处编辑母版标题样式</a:t>
             </a:r>
-            <a:endParaRPr lang="zh-CN" altLang="en-US"/>
           </a:p>
         </p:txBody>
       </p:sp>
@@ -1439,7 +1710,7 @@
           <a:p>
             <a:pPr lvl="0"/>
             <a:r>
-              <a:rPr lang="zh-CN" altLang="en-US" smtClean="0"/>
+              <a:rPr lang="zh-CN" altLang="en-US"/>
               <a:t>编辑母版文本样式</a:t>
             </a:r>
           </a:p>
@@ -1462,7 +1733,7 @@
           <a:p>
             <a:fld id="{5795B046-37D4-4C7D-A0DD-A3E900A8D716}" type="datetimeFigureOut">
               <a:rPr lang="zh-CN" altLang="en-US" smtClean="0"/>
-              <a:t>2019/6/16</a:t>
+              <a:t>2019/6/29</a:t>
             </a:fld>
             <a:endParaRPr lang="zh-CN" altLang="en-US"/>
           </a:p>
@@ -1556,10 +1827,9 @@
           <a:lstStyle/>
           <a:p>
             <a:r>
-              <a:rPr lang="zh-CN" altLang="en-US" smtClean="0"/>
+              <a:rPr lang="zh-CN" altLang="en-US"/>
               <a:t>单击此处编辑母版标题样式</a:t>
             </a:r>
-            <a:endParaRPr lang="zh-CN" altLang="en-US"/>
           </a:p>
         </p:txBody>
       </p:sp>
@@ -1585,38 +1855,37 @@
           <a:p>
             <a:pPr lvl="0"/>
             <a:r>
-              <a:rPr lang="zh-CN" altLang="en-US" smtClean="0"/>
+              <a:rPr lang="zh-CN" altLang="en-US"/>
               <a:t>编辑母版文本样式</a:t>
             </a:r>
           </a:p>
           <a:p>
             <a:pPr lvl="1"/>
             <a:r>
-              <a:rPr lang="zh-CN" altLang="en-US" smtClean="0"/>
+              <a:rPr lang="zh-CN" altLang="en-US"/>
               <a:t>第二级</a:t>
             </a:r>
           </a:p>
           <a:p>
             <a:pPr lvl="2"/>
             <a:r>
-              <a:rPr lang="zh-CN" altLang="en-US" smtClean="0"/>
+              <a:rPr lang="zh-CN" altLang="en-US"/>
               <a:t>第三级</a:t>
             </a:r>
           </a:p>
           <a:p>
             <a:pPr lvl="3"/>
             <a:r>
-              <a:rPr lang="zh-CN" altLang="en-US" smtClean="0"/>
+              <a:rPr lang="zh-CN" altLang="en-US"/>
               <a:t>第四级</a:t>
             </a:r>
           </a:p>
           <a:p>
             <a:pPr lvl="4"/>
             <a:r>
-              <a:rPr lang="zh-CN" altLang="en-US" smtClean="0"/>
+              <a:rPr lang="zh-CN" altLang="en-US"/>
               <a:t>第五级</a:t>
             </a:r>
-            <a:endParaRPr lang="zh-CN" altLang="en-US"/>
           </a:p>
         </p:txBody>
       </p:sp>
@@ -1642,38 +1911,37 @@
           <a:p>
             <a:pPr lvl="0"/>
             <a:r>
-              <a:rPr lang="zh-CN" altLang="en-US" smtClean="0"/>
+              <a:rPr lang="zh-CN" altLang="en-US"/>
               <a:t>编辑母版文本样式</a:t>
             </a:r>
           </a:p>
           <a:p>
             <a:pPr lvl="1"/>
             <a:r>
-              <a:rPr lang="zh-CN" altLang="en-US" smtClean="0"/>
+              <a:rPr lang="zh-CN" altLang="en-US"/>
               <a:t>第二级</a:t>
             </a:r>
           </a:p>
           <a:p>
             <a:pPr lvl="2"/>
             <a:r>
-              <a:rPr lang="zh-CN" altLang="en-US" smtClean="0"/>
+              <a:rPr lang="zh-CN" altLang="en-US"/>
               <a:t>第三级</a:t>
             </a:r>
           </a:p>
           <a:p>
             <a:pPr lvl="3"/>
             <a:r>
-              <a:rPr lang="zh-CN" altLang="en-US" smtClean="0"/>
+              <a:rPr lang="zh-CN" altLang="en-US"/>
               <a:t>第四级</a:t>
             </a:r>
           </a:p>
           <a:p>
             <a:pPr lvl="4"/>
             <a:r>
-              <a:rPr lang="zh-CN" altLang="en-US" smtClean="0"/>
+              <a:rPr lang="zh-CN" altLang="en-US"/>
               <a:t>第五级</a:t>
             </a:r>
-            <a:endParaRPr lang="zh-CN" altLang="en-US"/>
           </a:p>
         </p:txBody>
       </p:sp>
@@ -1694,7 +1962,7 @@
           <a:p>
             <a:fld id="{5795B046-37D4-4C7D-A0DD-A3E900A8D716}" type="datetimeFigureOut">
               <a:rPr lang="zh-CN" altLang="en-US" smtClean="0"/>
-              <a:t>2019/6/16</a:t>
+              <a:t>2019/6/29</a:t>
             </a:fld>
             <a:endParaRPr lang="zh-CN" altLang="en-US"/>
           </a:p>
@@ -1793,10 +2061,9 @@
           <a:lstStyle/>
           <a:p>
             <a:r>
-              <a:rPr lang="zh-CN" altLang="en-US" smtClean="0"/>
+              <a:rPr lang="zh-CN" altLang="en-US"/>
               <a:t>单击此处编辑母版标题样式</a:t>
             </a:r>
-            <a:endParaRPr lang="zh-CN" altLang="en-US"/>
           </a:p>
         </p:txBody>
       </p:sp>
@@ -1859,7 +2126,7 @@
           <a:p>
             <a:pPr lvl="0"/>
             <a:r>
-              <a:rPr lang="zh-CN" altLang="en-US" smtClean="0"/>
+              <a:rPr lang="zh-CN" altLang="en-US"/>
               <a:t>编辑母版文本样式</a:t>
             </a:r>
           </a:p>
@@ -1887,38 +2154,37 @@
           <a:p>
             <a:pPr lvl="0"/>
             <a:r>
-              <a:rPr lang="zh-CN" altLang="en-US" smtClean="0"/>
+              <a:rPr lang="zh-CN" altLang="en-US"/>
               <a:t>编辑母版文本样式</a:t>
             </a:r>
           </a:p>
           <a:p>
             <a:pPr lvl="1"/>
             <a:r>
-              <a:rPr lang="zh-CN" altLang="en-US" smtClean="0"/>
+              <a:rPr lang="zh-CN" altLang="en-US"/>
               <a:t>第二级</a:t>
             </a:r>
           </a:p>
           <a:p>
             <a:pPr lvl="2"/>
             <a:r>
-              <a:rPr lang="zh-CN" altLang="en-US" smtClean="0"/>
+              <a:rPr lang="zh-CN" altLang="en-US"/>
               <a:t>第三级</a:t>
             </a:r>
           </a:p>
           <a:p>
             <a:pPr lvl="3"/>
             <a:r>
-              <a:rPr lang="zh-CN" altLang="en-US" smtClean="0"/>
+              <a:rPr lang="zh-CN" altLang="en-US"/>
               <a:t>第四级</a:t>
             </a:r>
           </a:p>
           <a:p>
             <a:pPr lvl="4"/>
             <a:r>
-              <a:rPr lang="zh-CN" altLang="en-US" smtClean="0"/>
+              <a:rPr lang="zh-CN" altLang="en-US"/>
               <a:t>第五级</a:t>
             </a:r>
-            <a:endParaRPr lang="zh-CN" altLang="en-US"/>
           </a:p>
         </p:txBody>
       </p:sp>
@@ -1981,7 +2247,7 @@
           <a:p>
             <a:pPr lvl="0"/>
             <a:r>
-              <a:rPr lang="zh-CN" altLang="en-US" smtClean="0"/>
+              <a:rPr lang="zh-CN" altLang="en-US"/>
               <a:t>编辑母版文本样式</a:t>
             </a:r>
           </a:p>
@@ -2009,38 +2275,37 @@
           <a:p>
             <a:pPr lvl="0"/>
             <a:r>
-              <a:rPr lang="zh-CN" altLang="en-US" smtClean="0"/>
+              <a:rPr lang="zh-CN" altLang="en-US"/>
               <a:t>编辑母版文本样式</a:t>
             </a:r>
           </a:p>
           <a:p>
             <a:pPr lvl="1"/>
             <a:r>
-              <a:rPr lang="zh-CN" altLang="en-US" smtClean="0"/>
+              <a:rPr lang="zh-CN" altLang="en-US"/>
               <a:t>第二级</a:t>
             </a:r>
           </a:p>
           <a:p>
             <a:pPr lvl="2"/>
             <a:r>
-              <a:rPr lang="zh-CN" altLang="en-US" smtClean="0"/>
+              <a:rPr lang="zh-CN" altLang="en-US"/>
               <a:t>第三级</a:t>
             </a:r>
           </a:p>
           <a:p>
             <a:pPr lvl="3"/>
             <a:r>
-              <a:rPr lang="zh-CN" altLang="en-US" smtClean="0"/>
+              <a:rPr lang="zh-CN" altLang="en-US"/>
               <a:t>第四级</a:t>
             </a:r>
           </a:p>
           <a:p>
             <a:pPr lvl="4"/>
             <a:r>
-              <a:rPr lang="zh-CN" altLang="en-US" smtClean="0"/>
+              <a:rPr lang="zh-CN" altLang="en-US"/>
               <a:t>第五级</a:t>
             </a:r>
-            <a:endParaRPr lang="zh-CN" altLang="en-US"/>
           </a:p>
         </p:txBody>
       </p:sp>
@@ -2061,7 +2326,7 @@
           <a:p>
             <a:fld id="{5795B046-37D4-4C7D-A0DD-A3E900A8D716}" type="datetimeFigureOut">
               <a:rPr lang="zh-CN" altLang="en-US" smtClean="0"/>
-              <a:t>2019/6/16</a:t>
+              <a:t>2019/6/29</a:t>
             </a:fld>
             <a:endParaRPr lang="zh-CN" altLang="en-US"/>
           </a:p>
@@ -2155,10 +2420,9 @@
           <a:lstStyle/>
           <a:p>
             <a:r>
-              <a:rPr lang="zh-CN" altLang="en-US" smtClean="0"/>
+              <a:rPr lang="zh-CN" altLang="en-US"/>
               <a:t>单击此处编辑母版标题样式</a:t>
             </a:r>
-            <a:endParaRPr lang="zh-CN" altLang="en-US"/>
           </a:p>
         </p:txBody>
       </p:sp>
@@ -2179,7 +2443,7 @@
           <a:p>
             <a:fld id="{5795B046-37D4-4C7D-A0DD-A3E900A8D716}" type="datetimeFigureOut">
               <a:rPr lang="zh-CN" altLang="en-US" smtClean="0"/>
-              <a:t>2019/6/16</a:t>
+              <a:t>2019/6/29</a:t>
             </a:fld>
             <a:endParaRPr lang="zh-CN" altLang="en-US"/>
           </a:p>
@@ -2274,7 +2538,7 @@
           <a:p>
             <a:fld id="{5795B046-37D4-4C7D-A0DD-A3E900A8D716}" type="datetimeFigureOut">
               <a:rPr lang="zh-CN" altLang="en-US" smtClean="0"/>
-              <a:t>2019/6/16</a:t>
+              <a:t>2019/6/29</a:t>
             </a:fld>
             <a:endParaRPr lang="zh-CN" altLang="en-US"/>
           </a:p>
@@ -2377,10 +2641,9 @@
           </a:lstStyle>
           <a:p>
             <a:r>
-              <a:rPr lang="zh-CN" altLang="en-US" smtClean="0"/>
+              <a:rPr lang="zh-CN" altLang="en-US"/>
               <a:t>单击此处编辑母版标题样式</a:t>
             </a:r>
-            <a:endParaRPr lang="zh-CN" altLang="en-US"/>
           </a:p>
         </p:txBody>
       </p:sp>
@@ -2434,38 +2697,37 @@
           <a:p>
             <a:pPr lvl="0"/>
             <a:r>
-              <a:rPr lang="zh-CN" altLang="en-US" smtClean="0"/>
+              <a:rPr lang="zh-CN" altLang="en-US"/>
               <a:t>编辑母版文本样式</a:t>
             </a:r>
           </a:p>
           <a:p>
             <a:pPr lvl="1"/>
             <a:r>
-              <a:rPr lang="zh-CN" altLang="en-US" smtClean="0"/>
+              <a:rPr lang="zh-CN" altLang="en-US"/>
               <a:t>第二级</a:t>
             </a:r>
           </a:p>
           <a:p>
             <a:pPr lvl="2"/>
             <a:r>
-              <a:rPr lang="zh-CN" altLang="en-US" smtClean="0"/>
+              <a:rPr lang="zh-CN" altLang="en-US"/>
               <a:t>第三级</a:t>
             </a:r>
           </a:p>
           <a:p>
             <a:pPr lvl="3"/>
             <a:r>
-              <a:rPr lang="zh-CN" altLang="en-US" smtClean="0"/>
+              <a:rPr lang="zh-CN" altLang="en-US"/>
               <a:t>第四级</a:t>
             </a:r>
           </a:p>
           <a:p>
             <a:pPr lvl="4"/>
             <a:r>
-              <a:rPr lang="zh-CN" altLang="en-US" smtClean="0"/>
+              <a:rPr lang="zh-CN" altLang="en-US"/>
               <a:t>第五级</a:t>
             </a:r>
-            <a:endParaRPr lang="zh-CN" altLang="en-US"/>
           </a:p>
         </p:txBody>
       </p:sp>
@@ -2528,7 +2790,7 @@
           <a:p>
             <a:pPr lvl="0"/>
             <a:r>
-              <a:rPr lang="zh-CN" altLang="en-US" smtClean="0"/>
+              <a:rPr lang="zh-CN" altLang="en-US"/>
               <a:t>编辑母版文本样式</a:t>
             </a:r>
           </a:p>
@@ -2551,7 +2813,7 @@
           <a:p>
             <a:fld id="{5795B046-37D4-4C7D-A0DD-A3E900A8D716}" type="datetimeFigureOut">
               <a:rPr lang="zh-CN" altLang="en-US" smtClean="0"/>
-              <a:t>2019/6/16</a:t>
+              <a:t>2019/6/29</a:t>
             </a:fld>
             <a:endParaRPr lang="zh-CN" altLang="en-US"/>
           </a:p>
@@ -2654,10 +2916,9 @@
           </a:lstStyle>
           <a:p>
             <a:r>
-              <a:rPr lang="zh-CN" altLang="en-US" smtClean="0"/>
+              <a:rPr lang="zh-CN" altLang="en-US"/>
               <a:t>单击此处编辑母版标题样式</a:t>
             </a:r>
-            <a:endParaRPr lang="zh-CN" altLang="en-US"/>
           </a:p>
         </p:txBody>
       </p:sp>
@@ -2781,7 +3042,7 @@
           <a:p>
             <a:pPr lvl="0"/>
             <a:r>
-              <a:rPr lang="zh-CN" altLang="en-US" smtClean="0"/>
+              <a:rPr lang="zh-CN" altLang="en-US"/>
               <a:t>编辑母版文本样式</a:t>
             </a:r>
           </a:p>
@@ -2804,7 +3065,7 @@
           <a:p>
             <a:fld id="{5795B046-37D4-4C7D-A0DD-A3E900A8D716}" type="datetimeFigureOut">
               <a:rPr lang="zh-CN" altLang="en-US" smtClean="0"/>
-              <a:t>2019/6/16</a:t>
+              <a:t>2019/6/29</a:t>
             </a:fld>
             <a:endParaRPr lang="zh-CN" altLang="en-US"/>
           </a:p>
@@ -2913,10 +3174,9 @@
           <a:lstStyle/>
           <a:p>
             <a:r>
-              <a:rPr lang="zh-CN" altLang="en-US" smtClean="0"/>
+              <a:rPr lang="zh-CN" altLang="en-US"/>
               <a:t>单击此处编辑母版标题样式</a:t>
             </a:r>
-            <a:endParaRPr lang="zh-CN" altLang="en-US"/>
           </a:p>
         </p:txBody>
       </p:sp>
@@ -2947,38 +3207,37 @@
           <a:p>
             <a:pPr lvl="0"/>
             <a:r>
-              <a:rPr lang="zh-CN" altLang="en-US" smtClean="0"/>
+              <a:rPr lang="zh-CN" altLang="en-US"/>
               <a:t>编辑母版文本样式</a:t>
             </a:r>
           </a:p>
           <a:p>
             <a:pPr lvl="1"/>
             <a:r>
-              <a:rPr lang="zh-CN" altLang="en-US" smtClean="0"/>
+              <a:rPr lang="zh-CN" altLang="en-US"/>
               <a:t>第二级</a:t>
             </a:r>
           </a:p>
           <a:p>
             <a:pPr lvl="2"/>
             <a:r>
-              <a:rPr lang="zh-CN" altLang="en-US" smtClean="0"/>
+              <a:rPr lang="zh-CN" altLang="en-US"/>
               <a:t>第三级</a:t>
             </a:r>
           </a:p>
           <a:p>
             <a:pPr lvl="3"/>
             <a:r>
-              <a:rPr lang="zh-CN" altLang="en-US" smtClean="0"/>
+              <a:rPr lang="zh-CN" altLang="en-US"/>
               <a:t>第四级</a:t>
             </a:r>
           </a:p>
           <a:p>
             <a:pPr lvl="4"/>
             <a:r>
-              <a:rPr lang="zh-CN" altLang="en-US" smtClean="0"/>
+              <a:rPr lang="zh-CN" altLang="en-US"/>
               <a:t>第五级</a:t>
             </a:r>
-            <a:endParaRPr lang="zh-CN" altLang="en-US"/>
           </a:p>
         </p:txBody>
       </p:sp>
@@ -3017,7 +3276,7 @@
           <a:p>
             <a:fld id="{5795B046-37D4-4C7D-A0DD-A3E900A8D716}" type="datetimeFigureOut">
               <a:rPr lang="zh-CN" altLang="en-US" smtClean="0"/>
-              <a:t>2019/6/16</a:t>
+              <a:t>2019/6/29</a:t>
             </a:fld>
             <a:endParaRPr lang="zh-CN" altLang="en-US"/>
           </a:p>
@@ -3438,14 +3697,13 @@
           <a:lstStyle/>
           <a:p>
             <a:r>
-              <a:rPr lang="en-US" altLang="zh-CN" dirty="0" err="1" smtClean="0"/>
+              <a:rPr lang="en-US" altLang="zh-CN" dirty="0" err="1"/>
               <a:t>ElasticSearch</a:t>
             </a:r>
             <a:r>
-              <a:rPr lang="zh-CN" altLang="en-US" dirty="0" smtClean="0"/>
+              <a:rPr lang="zh-CN" altLang="en-US" dirty="0"/>
               <a:t>简介</a:t>
             </a:r>
-            <a:endParaRPr lang="zh-CN" altLang="en-US" dirty="0"/>
           </a:p>
         </p:txBody>
       </p:sp>
@@ -3465,15 +3723,15 @@
           <a:lstStyle/>
           <a:p>
             <a:r>
-              <a:rPr lang="en-US" altLang="zh-CN" dirty="0" smtClean="0"/>
+              <a:rPr lang="en-US" altLang="zh-CN" dirty="0"/>
               <a:t>1. </a:t>
             </a:r>
             <a:r>
-              <a:rPr lang="en-US" altLang="zh-CN" dirty="0" err="1" smtClean="0"/>
+              <a:rPr lang="en-US" altLang="zh-CN" dirty="0" err="1"/>
               <a:t>Elasticsearch</a:t>
             </a:r>
             <a:r>
-              <a:rPr lang="zh-CN" altLang="en-US" dirty="0" smtClean="0"/>
+              <a:rPr lang="zh-CN" altLang="en-US" dirty="0"/>
               <a:t>起源于一个叫做</a:t>
             </a:r>
             <a:r>
@@ -3481,189 +3739,172 @@
               <a:t>Shay </a:t>
             </a:r>
             <a:r>
-              <a:rPr lang="en-US" altLang="zh-CN" dirty="0" err="1" smtClean="0"/>
+              <a:rPr lang="en-US" altLang="zh-CN" dirty="0" err="1"/>
               <a:t>Banon</a:t>
             </a:r>
             <a:r>
-              <a:rPr lang="zh-CN" altLang="en-US" dirty="0" smtClean="0"/>
+              <a:rPr lang="zh-CN" altLang="en-US" dirty="0"/>
               <a:t>的开发者</a:t>
             </a:r>
             <a:r>
-              <a:rPr lang="en-US" altLang="zh-CN" dirty="0" smtClean="0"/>
+              <a:rPr lang="en-US" altLang="zh-CN" dirty="0"/>
               <a:t>,</a:t>
             </a:r>
             <a:r>
-              <a:rPr lang="zh-CN" altLang="en-US" dirty="0" smtClean="0"/>
+              <a:rPr lang="zh-CN" altLang="en-US" dirty="0"/>
               <a:t>为了给妻子创建一个食谱的搜索引擎</a:t>
             </a:r>
             <a:r>
-              <a:rPr lang="en-US" altLang="zh-CN" dirty="0" smtClean="0"/>
+              <a:rPr lang="en-US" altLang="zh-CN" dirty="0"/>
               <a:t>,</a:t>
             </a:r>
             <a:r>
-              <a:rPr lang="zh-CN" altLang="en-US" dirty="0" smtClean="0"/>
+              <a:rPr lang="zh-CN" altLang="en-US" dirty="0"/>
               <a:t>抽象了</a:t>
             </a:r>
             <a:r>
-              <a:rPr lang="en-US" altLang="zh-CN" dirty="0" err="1" smtClean="0"/>
+              <a:rPr lang="en-US" altLang="zh-CN" dirty="0" err="1"/>
               <a:t>Lucene</a:t>
             </a:r>
             <a:r>
-              <a:rPr lang="zh-CN" altLang="en-US" dirty="0" smtClean="0"/>
+              <a:rPr lang="zh-CN" altLang="en-US" dirty="0"/>
               <a:t>的代码</a:t>
             </a:r>
             <a:r>
-              <a:rPr lang="en-US" altLang="zh-CN" dirty="0" smtClean="0"/>
+              <a:rPr lang="en-US" altLang="zh-CN" dirty="0"/>
               <a:t>,</a:t>
             </a:r>
             <a:r>
-              <a:rPr lang="zh-CN" altLang="en-US" dirty="0" smtClean="0"/>
+              <a:rPr lang="zh-CN" altLang="en-US" dirty="0"/>
               <a:t>第一个开源版本在</a:t>
             </a:r>
             <a:r>
-              <a:rPr lang="en-US" altLang="zh-CN" dirty="0" smtClean="0"/>
+              <a:rPr lang="en-US" altLang="zh-CN" dirty="0"/>
               <a:t>2010</a:t>
             </a:r>
             <a:r>
-              <a:rPr lang="zh-CN" altLang="en-US" dirty="0" smtClean="0"/>
+              <a:rPr lang="zh-CN" altLang="en-US" dirty="0"/>
               <a:t>发布</a:t>
             </a:r>
             <a:r>
-              <a:rPr lang="en-US" altLang="zh-CN" dirty="0" smtClean="0"/>
+              <a:rPr lang="en-US" altLang="zh-CN" dirty="0"/>
               <a:t>,</a:t>
             </a:r>
             <a:r>
-              <a:rPr lang="zh-CN" altLang="en-US" dirty="0" smtClean="0"/>
+              <a:rPr lang="zh-CN" altLang="en-US" dirty="0"/>
               <a:t>后来项目迅速流行起来</a:t>
             </a:r>
             <a:r>
-              <a:rPr lang="en-US" altLang="zh-CN" dirty="0" smtClean="0"/>
+              <a:rPr lang="en-US" altLang="zh-CN" dirty="0"/>
               <a:t>,</a:t>
             </a:r>
             <a:r>
-              <a:rPr lang="zh-CN" altLang="en-US" dirty="0" smtClean="0"/>
+              <a:rPr lang="zh-CN" altLang="en-US" dirty="0"/>
               <a:t>一家专门主营</a:t>
             </a:r>
             <a:r>
-              <a:rPr lang="en-US" altLang="zh-CN" dirty="0" err="1" smtClean="0"/>
+              <a:rPr lang="en-US" altLang="zh-CN" dirty="0" err="1"/>
               <a:t>Elasticsearch</a:t>
             </a:r>
             <a:r>
-              <a:rPr lang="zh-CN" altLang="en-US" dirty="0" smtClean="0"/>
+              <a:rPr lang="zh-CN" altLang="en-US" dirty="0"/>
               <a:t>的公司出现了</a:t>
             </a:r>
             <a:r>
-              <a:rPr lang="en-US" altLang="zh-CN" dirty="0" smtClean="0"/>
+              <a:rPr lang="en-US" altLang="zh-CN" dirty="0"/>
               <a:t>.</a:t>
             </a:r>
           </a:p>
           <a:p>
             <a:r>
-              <a:rPr lang="en-US" altLang="zh-CN" dirty="0" smtClean="0"/>
+              <a:rPr lang="en-US" altLang="zh-CN" dirty="0"/>
               <a:t>2. </a:t>
             </a:r>
             <a:r>
-              <a:rPr lang="en-US" altLang="zh-CN" dirty="0" err="1" smtClean="0"/>
+              <a:rPr lang="en-US" altLang="zh-CN" dirty="0" err="1"/>
               <a:t>Elasticsearch</a:t>
             </a:r>
             <a:r>
-              <a:rPr lang="zh-CN" altLang="en-US" dirty="0" smtClean="0"/>
+              <a:rPr lang="zh-CN" altLang="en-US" dirty="0"/>
               <a:t>是一个实时的分布式搜索和分析引擎</a:t>
             </a:r>
-            <a:endParaRPr lang="en-US" altLang="zh-CN" dirty="0" smtClean="0"/>
-          </a:p>
-          <a:p>
-            <a:r>
-              <a:rPr lang="en-US" altLang="zh-CN" dirty="0"/>
-              <a:t>3</a:t>
-            </a:r>
-            <a:r>
-              <a:rPr lang="en-US" altLang="zh-CN" dirty="0" smtClean="0"/>
-              <a:t>. </a:t>
-            </a:r>
-            <a:r>
-              <a:rPr lang="zh-CN" altLang="en-US" dirty="0" smtClean="0"/>
+            <a:endParaRPr lang="en-US" altLang="zh-CN" dirty="0"/>
+          </a:p>
+          <a:p>
+            <a:r>
+              <a:rPr lang="en-US" altLang="zh-CN" dirty="0"/>
+              <a:t>3. </a:t>
+            </a:r>
+            <a:r>
+              <a:rPr lang="zh-CN" altLang="en-US" dirty="0"/>
               <a:t>基于 </a:t>
             </a:r>
             <a:r>
-              <a:rPr lang="en-US" altLang="zh-CN" dirty="0" err="1" smtClean="0"/>
+              <a:rPr lang="en-US" altLang="zh-CN" dirty="0" err="1"/>
               <a:t>Lucene</a:t>
             </a:r>
             <a:r>
-              <a:rPr lang="en-US" altLang="zh-CN" dirty="0" smtClean="0"/>
+              <a:rPr lang="en-US" altLang="zh-CN" dirty="0"/>
               <a:t> </a:t>
             </a:r>
             <a:r>
-              <a:rPr lang="zh-CN" altLang="en-US" dirty="0" smtClean="0"/>
+              <a:rPr lang="zh-CN" altLang="en-US" dirty="0"/>
               <a:t>全文检索引擎</a:t>
             </a:r>
             <a:r>
-              <a:rPr lang="en-US" altLang="zh-CN" dirty="0" smtClean="0"/>
+              <a:rPr lang="en-US" altLang="zh-CN" dirty="0"/>
               <a:t>,</a:t>
             </a:r>
             <a:r>
-              <a:rPr lang="zh-CN" altLang="en-US" dirty="0" smtClean="0"/>
+              <a:rPr lang="zh-CN" altLang="en-US" dirty="0"/>
               <a:t>但是影藏了其复杂性</a:t>
             </a:r>
-            <a:endParaRPr lang="en-US" altLang="zh-CN" dirty="0" smtClean="0"/>
-          </a:p>
-          <a:p>
-            <a:r>
-              <a:rPr lang="en-US" altLang="zh-CN" dirty="0"/>
-              <a:t>4</a:t>
-            </a:r>
-            <a:r>
-              <a:rPr lang="en-US" altLang="zh-CN" dirty="0" smtClean="0"/>
-              <a:t>. </a:t>
-            </a:r>
-            <a:r>
-              <a:rPr lang="zh-CN" altLang="en-US" dirty="0" smtClean="0"/>
+            <a:endParaRPr lang="en-US" altLang="zh-CN" dirty="0"/>
+          </a:p>
+          <a:p>
+            <a:r>
+              <a:rPr lang="en-US" altLang="zh-CN" dirty="0"/>
+              <a:t>4. </a:t>
+            </a:r>
+            <a:r>
+              <a:rPr lang="zh-CN" altLang="en-US" dirty="0"/>
               <a:t>开源</a:t>
             </a:r>
             <a:r>
-              <a:rPr lang="en-US" altLang="zh-CN" dirty="0" smtClean="0"/>
+              <a:rPr lang="en-US" altLang="zh-CN" dirty="0"/>
               <a:t>,</a:t>
             </a:r>
             <a:r>
-              <a:rPr lang="zh-CN" altLang="en-US" dirty="0" smtClean="0"/>
-              <a:t>可以</a:t>
-            </a:r>
-            <a:r>
               <a:rPr lang="zh-CN" altLang="en-US" dirty="0"/>
-              <a:t>免费下载、使用和</a:t>
-            </a:r>
-            <a:r>
-              <a:rPr lang="zh-CN" altLang="en-US" dirty="0" smtClean="0"/>
-              <a:t>修改</a:t>
-            </a:r>
-            <a:endParaRPr lang="en-US" altLang="zh-CN" dirty="0" smtClean="0"/>
-          </a:p>
-          <a:p>
-            <a:r>
-              <a:rPr lang="en-US" altLang="zh-CN" dirty="0" smtClean="0"/>
+              <a:t>可以免费下载、使用和修改</a:t>
+            </a:r>
+            <a:endParaRPr lang="en-US" altLang="zh-CN" dirty="0"/>
+          </a:p>
+          <a:p>
+            <a:r>
+              <a:rPr lang="en-US" altLang="zh-CN" dirty="0"/>
               <a:t>5. </a:t>
             </a:r>
             <a:r>
-              <a:rPr lang="zh-CN" altLang="en-US" dirty="0" smtClean="0"/>
+              <a:rPr lang="zh-CN" altLang="en-US" dirty="0"/>
               <a:t>使用</a:t>
             </a:r>
             <a:r>
-              <a:rPr lang="en-US" altLang="zh-CN" dirty="0" smtClean="0"/>
+              <a:rPr lang="en-US" altLang="zh-CN" dirty="0"/>
               <a:t>windows</a:t>
             </a:r>
             <a:r>
-              <a:rPr lang="zh-CN" altLang="en-US" dirty="0" smtClean="0"/>
+              <a:rPr lang="zh-CN" altLang="en-US" dirty="0"/>
               <a:t>环境</a:t>
             </a:r>
             <a:r>
-              <a:rPr lang="en-US" altLang="zh-CN" dirty="0" smtClean="0"/>
+              <a:rPr lang="en-US" altLang="zh-CN" dirty="0"/>
               <a:t>,es7.1.1</a:t>
             </a:r>
             <a:r>
-              <a:rPr lang="zh-CN" altLang="en-US" dirty="0" smtClean="0"/>
+              <a:rPr lang="zh-CN" altLang="en-US" dirty="0"/>
               <a:t>版本</a:t>
             </a:r>
-            <a:endParaRPr lang="zh-CN" altLang="en-US" dirty="0"/>
           </a:p>
         </p:txBody>
       </p:sp>
@@ -3713,19 +3954,19 @@
           <a:lstStyle/>
           <a:p>
             <a:r>
-              <a:rPr lang="zh-CN" altLang="en-US" dirty="0" smtClean="0"/>
+              <a:rPr lang="zh-CN" altLang="en-US" dirty="0"/>
               <a:t>安装</a:t>
             </a:r>
             <a:r>
-              <a:rPr lang="en-US" altLang="zh-CN" dirty="0" smtClean="0"/>
+              <a:rPr lang="en-US" altLang="zh-CN" dirty="0"/>
               <a:t>(windows</a:t>
             </a:r>
             <a:r>
-              <a:rPr lang="zh-CN" altLang="en-US" dirty="0" smtClean="0"/>
+              <a:rPr lang="zh-CN" altLang="en-US" dirty="0"/>
               <a:t>版本</a:t>
             </a:r>
             <a:r>
-              <a:rPr lang="en-US" altLang="zh-CN" dirty="0" smtClean="0"/>
+              <a:rPr lang="en-US" altLang="zh-CN" dirty="0"/>
               <a:t>)</a:t>
             </a:r>
             <a:endParaRPr lang="zh-CN" altLang="en-US" dirty="0"/>
@@ -3745,40 +3986,40 @@
         <p:spPr/>
         <p:txBody>
           <a:bodyPr>
-            <a:normAutofit lnSpcReduction="10000"/>
+            <a:normAutofit fontScale="92500" lnSpcReduction="10000"/>
           </a:bodyPr>
           <a:lstStyle/>
           <a:p>
             <a:r>
-              <a:rPr lang="en-US" altLang="zh-CN" dirty="0" smtClean="0"/>
+              <a:rPr lang="en-US" altLang="zh-CN" dirty="0"/>
               <a:t>1. </a:t>
             </a:r>
             <a:r>
-              <a:rPr lang="zh-CN" altLang="en-US" dirty="0" smtClean="0"/>
+              <a:rPr lang="zh-CN" altLang="en-US" dirty="0"/>
               <a:t>安装</a:t>
             </a:r>
             <a:r>
-              <a:rPr lang="en-US" altLang="zh-CN" dirty="0" err="1" smtClean="0"/>
+              <a:rPr lang="en-US" altLang="zh-CN" dirty="0" err="1"/>
               <a:t>jdk</a:t>
             </a:r>
             <a:r>
-              <a:rPr lang="en-US" altLang="zh-CN" dirty="0" smtClean="0"/>
+              <a:rPr lang="en-US" altLang="zh-CN" dirty="0"/>
               <a:t>, </a:t>
             </a:r>
             <a:r>
-              <a:rPr lang="zh-CN" altLang="en-US" dirty="0" smtClean="0"/>
+              <a:rPr lang="zh-CN" altLang="en-US" dirty="0"/>
               <a:t>到</a:t>
             </a:r>
             <a:r>
-              <a:rPr lang="en-US" altLang="zh-CN" dirty="0" smtClean="0"/>
+              <a:rPr lang="en-US" altLang="zh-CN" dirty="0"/>
               <a:t>oracle</a:t>
             </a:r>
             <a:r>
-              <a:rPr lang="zh-CN" altLang="en-US" dirty="0" smtClean="0"/>
+              <a:rPr lang="zh-CN" altLang="en-US" dirty="0"/>
               <a:t>官网下载安装</a:t>
             </a:r>
             <a:r>
-              <a:rPr lang="en-US" altLang="zh-CN" dirty="0" smtClean="0"/>
+              <a:rPr lang="en-US" altLang="zh-CN" dirty="0"/>
               <a:t>.</a:t>
             </a:r>
           </a:p>
@@ -3788,31 +4029,19 @@
             </a:pPr>
             <a:r>
               <a:rPr lang="en-US" altLang="zh-CN" dirty="0"/>
-              <a:t> </a:t>
-            </a:r>
-            <a:r>
-              <a:rPr lang="en-US" altLang="zh-CN" dirty="0" smtClean="0"/>
-              <a:t>      </a:t>
-            </a:r>
-            <a:r>
-              <a:rPr lang="en-US" altLang="zh-CN" sz="1600" dirty="0" smtClean="0"/>
+              <a:t>       </a:t>
+            </a:r>
+            <a:r>
+              <a:rPr lang="en-US" altLang="zh-CN" sz="1600" dirty="0"/>
               <a:t>1) </a:t>
             </a:r>
             <a:r>
-              <a:rPr lang="zh-CN" altLang="en-US" sz="1600" dirty="0" smtClean="0"/>
+              <a:rPr lang="zh-CN" altLang="en-US" sz="1600" dirty="0"/>
               <a:t>系统变量 </a:t>
             </a:r>
             <a:r>
-              <a:rPr lang="en-US" altLang="zh-CN" sz="1600" dirty="0" smtClean="0"/>
-              <a:t>JAVA_HOME:   C</a:t>
-            </a:r>
-            <a:r>
-              <a:rPr lang="en-US" altLang="zh-CN" sz="1600" dirty="0"/>
-              <a:t>:\Program </a:t>
-            </a:r>
-            <a:r>
-              <a:rPr lang="en-US" altLang="zh-CN" sz="1600" dirty="0" smtClean="0"/>
-              <a:t>Files\Java\jdk1.8.0_71</a:t>
+              <a:rPr lang="en-US" altLang="zh-CN" sz="1600" dirty="0"/>
+              <a:t>JAVA_HOME:   C:\Program Files\Java\jdk1.8.0_71</a:t>
             </a:r>
           </a:p>
           <a:p>
@@ -3821,18 +4050,14 @@
             </a:pPr>
             <a:r>
               <a:rPr lang="en-US" altLang="zh-CN" sz="1600" dirty="0"/>
-              <a:t> </a:t>
-            </a:r>
-            <a:r>
-              <a:rPr lang="en-US" altLang="zh-CN" sz="1600" dirty="0" smtClean="0"/>
-              <a:t>           2) </a:t>
-            </a:r>
-            <a:r>
-              <a:rPr lang="zh-CN" altLang="en-US" sz="1600" dirty="0" smtClean="0"/>
+              <a:t>            2) </a:t>
+            </a:r>
+            <a:r>
+              <a:rPr lang="zh-CN" altLang="en-US" sz="1600" dirty="0"/>
               <a:t>环境变量</a:t>
             </a:r>
             <a:r>
-              <a:rPr lang="en-US" altLang="zh-CN" sz="1600" dirty="0" smtClean="0"/>
+              <a:rPr lang="en-US" altLang="zh-CN" sz="1600" dirty="0"/>
               <a:t>(path):  %JAVA_HOME%\bin</a:t>
             </a:r>
           </a:p>
@@ -3842,59 +4067,55 @@
             </a:pPr>
             <a:r>
               <a:rPr lang="en-US" altLang="zh-CN" sz="1600" dirty="0"/>
-              <a:t> </a:t>
-            </a:r>
-            <a:r>
-              <a:rPr lang="en-US" altLang="zh-CN" sz="1600" dirty="0" smtClean="0"/>
-              <a:t>           3) </a:t>
-            </a:r>
-            <a:r>
-              <a:rPr lang="zh-CN" altLang="en-US" sz="1600" dirty="0" smtClean="0"/>
+              <a:t>            3) </a:t>
+            </a:r>
+            <a:r>
+              <a:rPr lang="zh-CN" altLang="en-US" sz="1600" dirty="0"/>
               <a:t>控制台运行 </a:t>
             </a:r>
             <a:r>
-              <a:rPr lang="en-US" altLang="zh-CN" sz="1600" dirty="0" err="1" smtClean="0"/>
+              <a:rPr lang="en-US" altLang="zh-CN" sz="1600" dirty="0" err="1"/>
               <a:t>javac</a:t>
             </a:r>
             <a:r>
-              <a:rPr lang="en-US" altLang="zh-CN" sz="1600" dirty="0" smtClean="0"/>
+              <a:rPr lang="en-US" altLang="zh-CN" sz="1600" dirty="0"/>
               <a:t> –version </a:t>
             </a:r>
             <a:r>
-              <a:rPr lang="zh-CN" altLang="en-US" sz="1600" dirty="0" smtClean="0"/>
+              <a:rPr lang="zh-CN" altLang="en-US" sz="1600" dirty="0"/>
               <a:t>出现版本号</a:t>
             </a:r>
             <a:r>
-              <a:rPr lang="en-US" altLang="zh-CN" sz="1600" dirty="0" smtClean="0"/>
+              <a:rPr lang="en-US" altLang="zh-CN" sz="1600" dirty="0"/>
               <a:t>,</a:t>
             </a:r>
             <a:r>
-              <a:rPr lang="zh-CN" altLang="en-US" sz="1600" dirty="0" smtClean="0"/>
+              <a:rPr lang="zh-CN" altLang="en-US" sz="1600" dirty="0"/>
               <a:t>则已安装好</a:t>
             </a:r>
-            <a:endParaRPr lang="en-US" altLang="zh-CN" sz="1600" dirty="0" smtClean="0"/>
+            <a:endParaRPr lang="en-US" altLang="zh-CN" sz="1600" dirty="0"/>
           </a:p>
           <a:p>
             <a:pPr marL="0" indent="0">
               <a:buNone/>
             </a:pPr>
-            <a:endParaRPr lang="en-US" altLang="zh-CN" sz="1600" dirty="0" smtClean="0"/>
-          </a:p>
-          <a:p>
-            <a:r>
-              <a:rPr lang="en-US" altLang="zh-CN" dirty="0" smtClean="0"/>
+            <a:endParaRPr lang="en-US" altLang="zh-CN" sz="1600" dirty="0"/>
+          </a:p>
+          <a:p>
+            <a:r>
+              <a:rPr lang="en-US" altLang="zh-CN" dirty="0"/>
               <a:t>2. </a:t>
             </a:r>
             <a:r>
-              <a:rPr lang="zh-CN" altLang="en-US" dirty="0" smtClean="0"/>
+              <a:rPr lang="zh-CN" altLang="en-US" dirty="0"/>
               <a:t>下载</a:t>
             </a:r>
             <a:r>
-              <a:rPr lang="en-US" altLang="zh-CN" dirty="0" err="1" smtClean="0"/>
+              <a:rPr lang="en-US" altLang="zh-CN" dirty="0" err="1"/>
               <a:t>ElasticSearch</a:t>
             </a:r>
             <a:r>
-              <a:rPr lang="en-US" altLang="zh-CN" dirty="0" smtClean="0"/>
+              <a:rPr lang="en-US" altLang="zh-CN" dirty="0"/>
               <a:t>(zip)</a:t>
             </a:r>
           </a:p>
@@ -3904,21 +4125,13 @@
             </a:pPr>
             <a:r>
               <a:rPr lang="en-US" altLang="zh-CN" dirty="0"/>
-              <a:t> </a:t>
-            </a:r>
-            <a:r>
-              <a:rPr lang="en-US" altLang="zh-CN" dirty="0" smtClean="0"/>
-              <a:t>      </a:t>
-            </a:r>
-            <a:r>
-              <a:rPr lang="zh-CN" altLang="en-US" sz="1600" dirty="0"/>
-              <a:t>解压之后各个目录</a:t>
-            </a:r>
-            <a:r>
-              <a:rPr lang="zh-CN" altLang="en-US" sz="1600" dirty="0" smtClean="0"/>
-              <a:t>介绍</a:t>
-            </a:r>
-            <a:endParaRPr lang="en-US" altLang="zh-CN" sz="1600" dirty="0" smtClean="0"/>
+              <a:t>       </a:t>
+            </a:r>
+            <a:r>
+              <a:rPr lang="zh-CN" altLang="en-US" sz="1600" dirty="0"/>
+              <a:t>解压之后各个目录介绍</a:t>
+            </a:r>
+            <a:endParaRPr lang="en-US" altLang="zh-CN" sz="1600" dirty="0"/>
           </a:p>
           <a:p>
             <a:pPr marL="0" indent="0">
@@ -3926,18 +4139,14 @@
             </a:pPr>
             <a:r>
               <a:rPr lang="en-US" altLang="zh-CN" sz="1600" dirty="0"/>
-              <a:t> </a:t>
-            </a:r>
-            <a:r>
-              <a:rPr lang="en-US" altLang="zh-CN" sz="1600" dirty="0" smtClean="0"/>
-              <a:t>           </a:t>
-            </a:r>
-            <a:r>
-              <a:rPr lang="zh-CN" altLang="en-US" sz="1600" dirty="0" smtClean="0"/>
+              <a:t>            </a:t>
+            </a:r>
+            <a:r>
+              <a:rPr lang="zh-CN" altLang="en-US" sz="1600" dirty="0"/>
               <a:t>常用的配置文件</a:t>
             </a:r>
             <a:r>
-              <a:rPr lang="en-US" altLang="zh-CN" sz="1600" dirty="0" smtClean="0"/>
+              <a:rPr lang="en-US" altLang="zh-CN" sz="1600" dirty="0"/>
               <a:t>(elasticsearch.yml,jvm.options,log4j2.properties)</a:t>
             </a:r>
           </a:p>
@@ -3947,18 +4156,14 @@
             </a:pPr>
             <a:r>
               <a:rPr lang="en-US" altLang="zh-CN" sz="1600" dirty="0"/>
-              <a:t> </a:t>
-            </a:r>
-            <a:r>
-              <a:rPr lang="en-US" altLang="zh-CN" sz="1600" dirty="0" smtClean="0"/>
-              <a:t>           </a:t>
-            </a:r>
-            <a:r>
-              <a:rPr lang="zh-CN" altLang="en-US" sz="1600" dirty="0" smtClean="0"/>
+              <a:t>            </a:t>
+            </a:r>
+            <a:r>
+              <a:rPr lang="zh-CN" altLang="en-US" sz="1600" dirty="0"/>
               <a:t>通过命令行的形式来启动</a:t>
             </a:r>
             <a:r>
-              <a:rPr lang="en-US" altLang="zh-CN" sz="1600" dirty="0" smtClean="0"/>
+              <a:rPr lang="en-US" altLang="zh-CN" sz="1600" dirty="0"/>
               <a:t>(elasticsearch.bat)</a:t>
             </a:r>
           </a:p>
@@ -3968,26 +4173,22 @@
             </a:pPr>
             <a:r>
               <a:rPr lang="en-US" altLang="zh-CN" sz="1600" dirty="0"/>
-              <a:t> </a:t>
-            </a:r>
-            <a:r>
-              <a:rPr lang="en-US" altLang="zh-CN" sz="1600" dirty="0" smtClean="0"/>
-              <a:t>           </a:t>
-            </a:r>
-            <a:r>
-              <a:rPr lang="zh-CN" altLang="en-US" sz="1600" dirty="0" smtClean="0"/>
+              <a:t>            </a:t>
+            </a:r>
+            <a:r>
+              <a:rPr lang="zh-CN" altLang="en-US" sz="1600" dirty="0"/>
               <a:t>通过</a:t>
             </a:r>
             <a:r>
-              <a:rPr lang="en-US" altLang="zh-CN" sz="1600" dirty="0" smtClean="0"/>
+              <a:rPr lang="en-US" altLang="zh-CN" sz="1600" dirty="0"/>
               <a:t>windows</a:t>
             </a:r>
             <a:r>
-              <a:rPr lang="zh-CN" altLang="en-US" sz="1600" dirty="0" smtClean="0"/>
+              <a:rPr lang="zh-CN" altLang="en-US" sz="1600" dirty="0"/>
               <a:t>服务的形式来启动</a:t>
             </a:r>
             <a:r>
-              <a:rPr lang="en-US" altLang="zh-CN" sz="1600" dirty="0" smtClean="0"/>
+              <a:rPr lang="en-US" altLang="zh-CN" sz="1600" dirty="0"/>
               <a:t>(elasticsearch-service.bat install)</a:t>
             </a:r>
           </a:p>
@@ -3996,21 +4197,46 @@
               <a:buNone/>
             </a:pPr>
             <a:r>
-              <a:rPr lang="zh-CN" altLang="en-US" sz="1600" dirty="0" smtClean="0"/>
+              <a:rPr lang="en-US" altLang="zh-CN" sz="1600" dirty="0"/>
+              <a:t>            </a:t>
+            </a:r>
+            <a:r>
+              <a:rPr lang="zh-CN" altLang="en-US" sz="1600" dirty="0"/>
+              <a:t>卸载</a:t>
+            </a:r>
+            <a:r>
+              <a:rPr lang="en-US" altLang="zh-CN" sz="1600" dirty="0"/>
+              <a:t>(elasticsearch-service.bat </a:t>
+            </a:r>
+            <a:r>
+              <a:rPr lang="en-US" altLang="zh-CN" sz="1600" dirty="0" err="1"/>
+              <a:t>remve</a:t>
+            </a:r>
+            <a:r>
+              <a:rPr lang="en-US" altLang="zh-CN" sz="1600" dirty="0"/>
+              <a:t>)</a:t>
+            </a:r>
+          </a:p>
+          <a:p>
+            <a:pPr marL="0" indent="0">
+              <a:buNone/>
+            </a:pPr>
+            <a:r>
+              <a:rPr lang="zh-CN" altLang="en-US" sz="1600" dirty="0"/>
               <a:t>           启动后能打开 </a:t>
             </a:r>
             <a:r>
-              <a:rPr lang="en-US" altLang="zh-CN" sz="1600" dirty="0" smtClean="0">
+              <a:rPr lang="en-US" altLang="zh-CN" sz="1600" dirty="0">
                 <a:hlinkClick r:id="rId2"/>
               </a:rPr>
               <a:t>http://localhost:9200/</a:t>
             </a:r>
             <a:r>
-              <a:rPr lang="en-US" altLang="zh-CN" sz="1600" dirty="0" smtClean="0"/>
+              <a:rPr lang="en-US" altLang="zh-CN" sz="1600" dirty="0"/>
               <a:t> </a:t>
             </a:r>
             <a:r>
-              <a:rPr lang="zh-CN" altLang="en-US" sz="1600" dirty="0" smtClean="0"/>
+              <a:rPr lang="zh-CN" altLang="en-US" sz="1600" dirty="0"/>
               <a:t>则启动成功</a:t>
             </a:r>
             <a:endParaRPr lang="en-US" altLang="zh-CN" sz="1600" dirty="0"/>
@@ -4027,13 +4253,6 @@
   <p:clrMapOvr>
     <a:masterClrMapping/>
   </p:clrMapOvr>
-  <p:timing>
-    <p:tnLst>
-      <p:par>
-        <p:cTn id="1" dur="indefinite" restart="never" nodeType="tmRoot"/>
-      </p:par>
-    </p:tnLst>
-  </p:timing>
 </p:sld>
 </file>
 
@@ -4070,14 +4289,17 @@
           <a:lstStyle/>
           <a:p>
             <a:r>
-              <a:rPr lang="en-US" altLang="zh-CN" dirty="0" smtClean="0"/>
-              <a:t>ES</a:t>
-            </a:r>
-            <a:r>
-              <a:rPr lang="zh-CN" altLang="en-US" dirty="0" smtClean="0"/>
-              <a:t>基本概念一</a:t>
-            </a:r>
-            <a:endParaRPr lang="zh-CN" altLang="en-US" dirty="0"/>
+              <a:rPr lang="zh-CN" altLang="en-US" dirty="0"/>
+              <a:t>与</a:t>
+            </a:r>
+            <a:r>
+              <a:rPr lang="en-US" altLang="zh-CN" dirty="0"/>
+              <a:t>Elasticsearch</a:t>
+            </a:r>
+            <a:r>
+              <a:rPr lang="zh-CN" altLang="en-US" dirty="0"/>
+              <a:t>交互</a:t>
+            </a:r>
           </a:p>
         </p:txBody>
       </p:sp>
@@ -4093,130 +4315,134 @@
         </p:nvSpPr>
         <p:spPr/>
         <p:txBody>
-          <a:bodyPr>
-            <a:normAutofit/>
-          </a:bodyPr>
-          <a:lstStyle/>
-          <a:p>
-            <a:r>
-              <a:rPr lang="en-US" altLang="zh-CN" dirty="0" smtClean="0"/>
-              <a:t>1. RNT(</a:t>
-            </a:r>
-            <a:r>
-              <a:rPr lang="zh-CN" altLang="en-US" dirty="0" smtClean="0"/>
-              <a:t>接近实时搜索</a:t>
-            </a:r>
-            <a:r>
-              <a:rPr lang="en-US" altLang="zh-CN" dirty="0" smtClean="0"/>
+          <a:bodyPr/>
+          <a:lstStyle/>
+          <a:p>
+            <a:r>
+              <a:rPr lang="zh-CN" altLang="en-US" dirty="0"/>
+              <a:t>所有支持</a:t>
+            </a:r>
+            <a:r>
+              <a:rPr lang="en-US" altLang="zh-CN" dirty="0"/>
+              <a:t>restful</a:t>
+            </a:r>
+            <a:r>
+              <a:rPr lang="zh-CN" altLang="en-US" dirty="0"/>
+              <a:t>请求的工具都能完成与</a:t>
+            </a:r>
+            <a:r>
+              <a:rPr lang="en-US" altLang="zh-CN" dirty="0"/>
+              <a:t>es</a:t>
+            </a:r>
+            <a:r>
+              <a:rPr lang="zh-CN" altLang="en-US" dirty="0"/>
+              <a:t>进行交互</a:t>
+            </a:r>
+            <a:endParaRPr lang="en-US" altLang="zh-CN" dirty="0"/>
+          </a:p>
+          <a:p>
+            <a:r>
+              <a:rPr lang="en-US" altLang="zh-CN" dirty="0"/>
+              <a:t>1. </a:t>
+            </a:r>
+            <a:r>
+              <a:rPr lang="zh-CN" altLang="en-US" dirty="0"/>
+              <a:t>一般浏览器</a:t>
+            </a:r>
+            <a:r>
+              <a:rPr lang="en-US" altLang="zh-CN" dirty="0"/>
+              <a:t>(get)</a:t>
+            </a:r>
+          </a:p>
+          <a:p>
+            <a:r>
+              <a:rPr lang="en-US" altLang="zh-CN" dirty="0"/>
+              <a:t>2. postman(chrome</a:t>
+            </a:r>
+            <a:r>
+              <a:rPr lang="zh-CN" altLang="en-US" dirty="0"/>
+              <a:t>工具</a:t>
+            </a:r>
+            <a:r>
+              <a:rPr lang="en-US" altLang="zh-CN" dirty="0"/>
               <a:t>)</a:t>
             </a:r>
           </a:p>
           <a:p>
+            <a:r>
+              <a:rPr lang="en-US" altLang="zh-CN" dirty="0"/>
+              <a:t>3. </a:t>
+            </a:r>
+            <a:r>
+              <a:rPr lang="en-US" altLang="zh-CN" dirty="0" err="1"/>
+              <a:t>RESTClient</a:t>
+            </a:r>
+            <a:r>
+              <a:rPr lang="en-US" altLang="zh-CN" dirty="0"/>
+              <a:t>(Firefox</a:t>
+            </a:r>
+            <a:r>
+              <a:rPr lang="zh-CN" altLang="en-US" dirty="0"/>
+              <a:t>工具</a:t>
+            </a:r>
+            <a:r>
+              <a:rPr lang="en-US" altLang="zh-CN" dirty="0"/>
+              <a:t>)</a:t>
+            </a:r>
+          </a:p>
+          <a:p>
+            <a:r>
+              <a:rPr lang="en-US" altLang="zh-CN" dirty="0"/>
+              <a:t>4. Sense(chrome</a:t>
+            </a:r>
+            <a:r>
+              <a:rPr lang="zh-CN" altLang="en-US" dirty="0"/>
+              <a:t>插件</a:t>
+            </a:r>
+            <a:r>
+              <a:rPr lang="en-US" altLang="zh-CN" dirty="0"/>
+              <a:t>)</a:t>
+            </a:r>
+          </a:p>
+          <a:p>
             <a:pPr marL="0" indent="0">
               <a:buNone/>
             </a:pPr>
             <a:r>
-              <a:rPr lang="zh-CN" altLang="en-US" dirty="0" smtClean="0"/>
+              <a:rPr lang="en-US" altLang="zh-CN" dirty="0"/>
               <a:t>      </a:t>
             </a:r>
             <a:r>
               <a:rPr lang="zh-CN" altLang="en-US" sz="1600" dirty="0"/>
-              <a:t>从数据存到 </a:t>
-            </a:r>
-            <a:r>
-              <a:rPr lang="en-US" altLang="zh-CN" sz="1600" dirty="0" err="1"/>
-              <a:t>es</a:t>
-            </a:r>
-            <a:r>
-              <a:rPr lang="en-US" altLang="zh-CN" sz="1600" dirty="0"/>
-              <a:t> </a:t>
-            </a:r>
-            <a:r>
-              <a:rPr lang="zh-CN" altLang="en-US" sz="1600" dirty="0"/>
-              <a:t>到可以搜索到为止，有轻微的延迟</a:t>
-            </a:r>
-            <a:r>
-              <a:rPr lang="en-US" altLang="zh-CN" sz="1600" dirty="0"/>
-              <a:t>(</a:t>
-            </a:r>
-            <a:r>
-              <a:rPr lang="zh-CN" altLang="en-US" sz="1600" dirty="0"/>
-              <a:t>大概</a:t>
-            </a:r>
-            <a:r>
-              <a:rPr lang="en-US" altLang="zh-CN" sz="1600" dirty="0"/>
-              <a:t>1s</a:t>
-            </a:r>
-            <a:r>
-              <a:rPr lang="zh-CN" altLang="en-US" sz="1600" dirty="0"/>
-              <a:t>左右</a:t>
-            </a:r>
-            <a:r>
-              <a:rPr lang="en-US" altLang="zh-CN" sz="1600" dirty="0" smtClean="0"/>
+              <a:t>集群管理工具</a:t>
+            </a:r>
+            <a:endParaRPr lang="en-US" altLang="zh-CN" sz="1600" dirty="0"/>
+          </a:p>
+          <a:p>
+            <a:r>
+              <a:rPr lang="en-US" altLang="zh-CN" dirty="0"/>
+              <a:t>5. head(chrome</a:t>
+            </a:r>
+            <a:r>
+              <a:rPr lang="zh-CN" altLang="en-US" dirty="0"/>
+              <a:t>插件</a:t>
+            </a:r>
+            <a:r>
+              <a:rPr lang="en-US" altLang="zh-CN" dirty="0"/>
               <a:t>)</a:t>
             </a:r>
           </a:p>
           <a:p>
-            <a:r>
-              <a:rPr lang="en-US" altLang="zh-CN" dirty="0"/>
-              <a:t>2. </a:t>
-            </a:r>
-            <a:r>
-              <a:rPr lang="en-US" altLang="zh-CN" dirty="0" smtClean="0"/>
-              <a:t>Cluster(</a:t>
-            </a:r>
-            <a:r>
-              <a:rPr lang="zh-CN" altLang="en-US" dirty="0" smtClean="0"/>
-              <a:t>集群</a:t>
-            </a:r>
-            <a:r>
-              <a:rPr lang="en-US" altLang="zh-CN" dirty="0" smtClean="0"/>
-              <a:t>)</a:t>
-            </a:r>
-          </a:p>
-          <a:p>
             <a:pPr marL="0" indent="0">
               <a:buNone/>
             </a:pPr>
             <a:r>
-              <a:rPr lang="en-US" altLang="zh-CN" sz="1600" dirty="0" smtClean="0"/>
-              <a:t>          cluster</a:t>
-            </a:r>
-            <a:r>
-              <a:rPr lang="zh-CN" altLang="en-US" sz="1600" dirty="0"/>
-              <a:t>是指 一个节点</a:t>
-            </a:r>
-            <a:r>
-              <a:rPr lang="en-US" altLang="zh-CN" sz="1600" dirty="0"/>
-              <a:t>(</a:t>
-            </a:r>
-            <a:r>
-              <a:rPr lang="zh-CN" altLang="en-US" sz="1600" dirty="0"/>
-              <a:t>服务器</a:t>
-            </a:r>
-            <a:r>
-              <a:rPr lang="en-US" altLang="zh-CN" sz="1600" dirty="0"/>
-              <a:t>) </a:t>
-            </a:r>
-            <a:r>
-              <a:rPr lang="zh-CN" altLang="en-US" sz="1600" dirty="0"/>
-              <a:t>或者 一组节点</a:t>
-            </a:r>
-            <a:r>
-              <a:rPr lang="en-US" altLang="zh-CN" sz="1600" dirty="0"/>
-              <a:t>(</a:t>
-            </a:r>
-            <a:r>
-              <a:rPr lang="zh-CN" altLang="en-US" sz="1600" dirty="0"/>
-              <a:t>服务器</a:t>
-            </a:r>
-            <a:r>
-              <a:rPr lang="en-US" altLang="zh-CN" sz="1600" dirty="0"/>
-              <a:t>) </a:t>
-            </a:r>
-            <a:r>
-              <a:rPr lang="zh-CN" altLang="en-US" sz="1600" dirty="0"/>
-              <a:t>组合在一起存储数据，并且一起提供索引和搜索能力</a:t>
+              <a:rPr lang="en-US" altLang="zh-CN" sz="1600" dirty="0"/>
+              <a:t>           </a:t>
+            </a:r>
+            <a:r>
+              <a:rPr lang="zh-CN" altLang="en-US" sz="1600" dirty="0"/>
+              <a:t>智能提示</a:t>
             </a:r>
             <a:r>
               <a:rPr lang="en-US" altLang="zh-CN" sz="1600" dirty="0"/>
@@ -4224,204 +4450,21 @@
             </a:r>
             <a:r>
               <a:rPr lang="zh-CN" altLang="en-US" sz="1600" dirty="0"/>
-              <a:t>一个集群具有唯一的名称</a:t>
-            </a:r>
-            <a:r>
-              <a:rPr lang="en-US" altLang="zh-CN" sz="1600" dirty="0"/>
-              <a:t>,</a:t>
-            </a:r>
-            <a:r>
-              <a:rPr lang="zh-CN" altLang="en-US" sz="1600" dirty="0"/>
-              <a:t>默认叫 </a:t>
-            </a:r>
-            <a:r>
-              <a:rPr lang="en-US" altLang="zh-CN" sz="1600" dirty="0" smtClean="0"/>
-              <a:t>“</a:t>
-            </a:r>
-            <a:r>
-              <a:rPr lang="en-US" altLang="zh-CN" sz="1600" dirty="0" err="1" smtClean="0"/>
-              <a:t>elasticsearch</a:t>
-            </a:r>
-            <a:r>
-              <a:rPr lang="en-US" altLang="zh-CN" sz="1600" dirty="0" smtClean="0"/>
-              <a:t>“,</a:t>
-            </a:r>
-            <a:r>
-              <a:rPr lang="zh-CN" altLang="en-US" sz="1600" dirty="0" smtClean="0"/>
-              <a:t>在</a:t>
-            </a:r>
-            <a:r>
-              <a:rPr lang="en-US" altLang="zh-CN" sz="1600" dirty="0" err="1" smtClean="0"/>
-              <a:t>elasticsearch.yml</a:t>
-            </a:r>
-            <a:r>
-              <a:rPr lang="zh-CN" altLang="en-US" sz="1600" dirty="0" smtClean="0"/>
-              <a:t>中配置</a:t>
-            </a:r>
-            <a:endParaRPr lang="en-US" altLang="zh-CN" sz="1600" dirty="0" smtClean="0"/>
-          </a:p>
-          <a:p>
-            <a:r>
-              <a:rPr lang="en-US" altLang="zh-CN" dirty="0"/>
-              <a:t>3. Node(</a:t>
-            </a:r>
-            <a:r>
-              <a:rPr lang="zh-CN" altLang="en-US" dirty="0"/>
-              <a:t>节点</a:t>
-            </a:r>
-            <a:r>
-              <a:rPr lang="en-US" altLang="zh-CN" dirty="0" smtClean="0"/>
-              <a:t>)</a:t>
-            </a:r>
-          </a:p>
-          <a:p>
-            <a:pPr marL="0" indent="0">
-              <a:buNone/>
-            </a:pPr>
-            <a:r>
-              <a:rPr lang="en-US" altLang="zh-CN" sz="1600" dirty="0" smtClean="0"/>
-              <a:t>          node</a:t>
-            </a:r>
-            <a:r>
-              <a:rPr lang="zh-CN" altLang="en-US" sz="1600" dirty="0"/>
-              <a:t>是指集群中的一个服务器</a:t>
-            </a:r>
-            <a:r>
-              <a:rPr lang="en-US" altLang="zh-CN" sz="1600" dirty="0"/>
-              <a:t>,</a:t>
-            </a:r>
-            <a:r>
-              <a:rPr lang="zh-CN" altLang="en-US" sz="1600" dirty="0"/>
-              <a:t>参与存储数据</a:t>
-            </a:r>
-            <a:r>
-              <a:rPr lang="en-US" altLang="zh-CN" sz="1600" dirty="0"/>
-              <a:t>,</a:t>
-            </a:r>
-            <a:r>
-              <a:rPr lang="zh-CN" altLang="en-US" sz="1600" dirty="0"/>
-              <a:t>分担索引和搜索压力，一个节点在集群中具有唯一的名称，这个名称是节点在启动时随机分配</a:t>
-            </a:r>
-            <a:r>
-              <a:rPr lang="zh-CN" altLang="en-US" sz="1600" dirty="0" smtClean="0"/>
-              <a:t>的</a:t>
-            </a:r>
-            <a:r>
-              <a:rPr lang="en-US" altLang="zh-CN" sz="1600" dirty="0" smtClean="0"/>
-              <a:t>,</a:t>
-            </a:r>
-            <a:r>
-              <a:rPr lang="zh-CN" altLang="en-US" sz="1600" dirty="0" smtClean="0"/>
-              <a:t>在</a:t>
-            </a:r>
-            <a:r>
-              <a:rPr lang="en-US" altLang="zh-CN" sz="1600" dirty="0" err="1" smtClean="0"/>
-              <a:t>elasticsearch.yml</a:t>
-            </a:r>
-            <a:r>
-              <a:rPr lang="zh-CN" altLang="en-US" sz="1600" dirty="0" smtClean="0"/>
-              <a:t>中配置</a:t>
-            </a:r>
-            <a:endParaRPr lang="en-US" altLang="zh-CN" sz="1600" dirty="0" smtClean="0"/>
-          </a:p>
-          <a:p>
-            <a:r>
-              <a:rPr lang="en-US" altLang="zh-CN" dirty="0" smtClean="0"/>
-              <a:t>4. Index(</a:t>
-            </a:r>
-            <a:r>
-              <a:rPr lang="zh-CN" altLang="en-US" dirty="0" smtClean="0"/>
-              <a:t>索引</a:t>
-            </a:r>
-            <a:r>
-              <a:rPr lang="en-US" altLang="zh-CN" dirty="0" smtClean="0"/>
-              <a:t>)</a:t>
-            </a:r>
-          </a:p>
-          <a:p>
-            <a:pPr marL="0" indent="0">
-              <a:buNone/>
-            </a:pPr>
-            <a:r>
-              <a:rPr lang="en-US" altLang="zh-CN" sz="1600" dirty="0" smtClean="0"/>
-              <a:t>          </a:t>
-            </a:r>
-            <a:r>
-              <a:rPr lang="en-US" altLang="zh-CN" sz="1600" dirty="0"/>
-              <a:t>index</a:t>
-            </a:r>
-            <a:r>
-              <a:rPr lang="zh-CN" altLang="en-US" sz="1600" dirty="0"/>
-              <a:t>是指集群中一类文档的集合，和</a:t>
-            </a:r>
-            <a:r>
-              <a:rPr lang="en-US" altLang="zh-CN" sz="1600" dirty="0" err="1"/>
-              <a:t>sqlserver</a:t>
-            </a:r>
-            <a:r>
-              <a:rPr lang="zh-CN" altLang="en-US" sz="1600" dirty="0"/>
-              <a:t>中的数据库相对应，比如用户表存储到一个</a:t>
-            </a:r>
-            <a:r>
-              <a:rPr lang="en-US" altLang="zh-CN" sz="1600" dirty="0"/>
-              <a:t>index</a:t>
-            </a:r>
-            <a:r>
-              <a:rPr lang="zh-CN" altLang="en-US" sz="1600" dirty="0"/>
-              <a:t>中，订单表存储在另外一个</a:t>
-            </a:r>
-            <a:r>
-              <a:rPr lang="en-US" altLang="zh-CN" sz="1600" dirty="0"/>
-              <a:t>index</a:t>
-            </a:r>
-            <a:r>
-              <a:rPr lang="zh-CN" altLang="en-US" sz="1600" dirty="0"/>
-              <a:t>中</a:t>
-            </a:r>
-            <a:r>
-              <a:rPr lang="en-US" altLang="zh-CN" sz="1600" dirty="0"/>
-              <a:t>,</a:t>
-            </a:r>
-            <a:r>
-              <a:rPr lang="zh-CN" altLang="en-US" sz="1600" dirty="0"/>
-              <a:t>你可以在一个集群中创建任意多个</a:t>
-            </a:r>
-            <a:r>
-              <a:rPr lang="en-US" altLang="zh-CN" sz="1600" dirty="0" smtClean="0"/>
-              <a:t>index</a:t>
-            </a:r>
-          </a:p>
-          <a:p>
-            <a:pPr marL="0" indent="0">
-              <a:buNone/>
-            </a:pPr>
-            <a:endParaRPr lang="en-US" altLang="zh-CN" sz="1600" dirty="0"/>
-          </a:p>
-          <a:p>
-            <a:pPr marL="0" indent="0">
-              <a:buNone/>
-            </a:pPr>
-            <a:endParaRPr lang="zh-CN" altLang="en-US" sz="1600" dirty="0"/>
+              <a:t>写查询语法很爽</a:t>
+            </a:r>
           </a:p>
         </p:txBody>
       </p:sp>
     </p:spTree>
     <p:extLst>
       <p:ext uri="{BB962C8B-B14F-4D97-AF65-F5344CB8AC3E}">
-        <p14:creationId xmlns:p14="http://schemas.microsoft.com/office/powerpoint/2010/main" val="1213038386"/>
+        <p14:creationId xmlns:p14="http://schemas.microsoft.com/office/powerpoint/2010/main" val="4119243612"/>
       </p:ext>
     </p:extLst>
   </p:cSld>
   <p:clrMapOvr>
     <a:masterClrMapping/>
   </p:clrMapOvr>
-  <p:timing>
-    <p:tnLst>
-      <p:par>
-        <p:cTn id="1" dur="indefinite" restart="never" nodeType="tmRoot"/>
-      </p:par>
-    </p:tnLst>
-  </p:timing>
 </p:sld>
 </file>
 
@@ -4458,14 +4501,13 @@
           <a:lstStyle/>
           <a:p>
             <a:r>
-              <a:rPr lang="en-US" altLang="zh-CN" dirty="0" smtClean="0"/>
+              <a:rPr lang="en-US" altLang="zh-CN" dirty="0"/>
               <a:t>ES</a:t>
             </a:r>
             <a:r>
-              <a:rPr lang="zh-CN" altLang="en-US" dirty="0" smtClean="0"/>
-              <a:t>基本概念二</a:t>
-            </a:r>
-            <a:endParaRPr lang="zh-CN" altLang="en-US" dirty="0"/>
+              <a:rPr lang="zh-CN" altLang="en-US" dirty="0"/>
+              <a:t>基本概念一</a:t>
+            </a:r>
           </a:p>
         </p:txBody>
       </p:sp>
@@ -4487,250 +4529,310 @@
           <a:lstStyle/>
           <a:p>
             <a:r>
-              <a:rPr lang="en-US" altLang="zh-CN" dirty="0" smtClean="0"/>
-              <a:t>5. Type(</a:t>
-            </a:r>
-            <a:r>
-              <a:rPr lang="zh-CN" altLang="en-US" dirty="0" smtClean="0"/>
-              <a:t>类型</a:t>
-            </a:r>
-            <a:r>
-              <a:rPr lang="en-US" altLang="zh-CN" dirty="0" smtClean="0"/>
+              <a:rPr lang="en-US" altLang="zh-CN" dirty="0"/>
+              <a:t>1. RNT(</a:t>
+            </a:r>
+            <a:r>
+              <a:rPr lang="zh-CN" altLang="en-US" dirty="0"/>
+              <a:t>接近实时搜索</a:t>
+            </a:r>
+            <a:r>
+              <a:rPr lang="en-US" altLang="zh-CN" dirty="0"/>
               <a:t>)</a:t>
             </a:r>
-            <a:endParaRPr lang="en-US" altLang="zh-CN" sz="1600" dirty="0" smtClean="0"/>
           </a:p>
           <a:p>
             <a:pPr marL="0" indent="0">
               <a:buNone/>
             </a:pPr>
             <a:r>
-              <a:rPr lang="zh-CN" altLang="en-US" sz="1600" dirty="0" smtClean="0"/>
-              <a:t>        和</a:t>
-            </a:r>
-            <a:r>
-              <a:rPr lang="en-US" altLang="zh-CN" sz="1600" dirty="0" err="1" smtClean="0"/>
+              <a:rPr lang="zh-CN" altLang="en-US" dirty="0"/>
+              <a:t>      </a:t>
+            </a:r>
+            <a:r>
+              <a:rPr lang="zh-CN" altLang="en-US" sz="1600" dirty="0"/>
+              <a:t>从数据存到 </a:t>
+            </a:r>
+            <a:r>
+              <a:rPr lang="en-US" altLang="zh-CN" sz="1600" dirty="0" err="1"/>
+              <a:t>es</a:t>
+            </a:r>
+            <a:r>
+              <a:rPr lang="en-US" altLang="zh-CN" sz="1600" dirty="0"/>
+              <a:t> </a:t>
+            </a:r>
+            <a:r>
+              <a:rPr lang="zh-CN" altLang="en-US" sz="1600" dirty="0"/>
+              <a:t>到可以搜索到为止，有轻微的延迟</a:t>
+            </a:r>
+            <a:r>
+              <a:rPr lang="en-US" altLang="zh-CN" sz="1600" dirty="0"/>
+              <a:t>(</a:t>
+            </a:r>
+            <a:r>
+              <a:rPr lang="zh-CN" altLang="en-US" sz="1600" dirty="0"/>
+              <a:t>大概</a:t>
+            </a:r>
+            <a:r>
+              <a:rPr lang="en-US" altLang="zh-CN" sz="1600" dirty="0"/>
+              <a:t>1s</a:t>
+            </a:r>
+            <a:r>
+              <a:rPr lang="zh-CN" altLang="en-US" sz="1600" dirty="0"/>
+              <a:t>左右</a:t>
+            </a:r>
+            <a:r>
+              <a:rPr lang="en-US" altLang="zh-CN" sz="1600" dirty="0"/>
+              <a:t>)</a:t>
+            </a:r>
+          </a:p>
+          <a:p>
+            <a:r>
+              <a:rPr lang="en-US" altLang="zh-CN" dirty="0"/>
+              <a:t>2. Cluster(</a:t>
+            </a:r>
+            <a:r>
+              <a:rPr lang="zh-CN" altLang="en-US" dirty="0"/>
+              <a:t>集群</a:t>
+            </a:r>
+            <a:r>
+              <a:rPr lang="en-US" altLang="zh-CN" dirty="0"/>
+              <a:t>)</a:t>
+            </a:r>
+          </a:p>
+          <a:p>
+            <a:pPr marL="0" indent="0">
+              <a:buNone/>
+            </a:pPr>
+            <a:r>
+              <a:rPr lang="en-US" altLang="zh-CN" sz="1600" dirty="0"/>
+              <a:t>          cluster</a:t>
+            </a:r>
+            <a:r>
+              <a:rPr lang="zh-CN" altLang="en-US" sz="1600" dirty="0"/>
+              <a:t>是指 一个节点</a:t>
+            </a:r>
+            <a:r>
+              <a:rPr lang="en-US" altLang="zh-CN" sz="1600" dirty="0"/>
+              <a:t>(</a:t>
+            </a:r>
+            <a:r>
+              <a:rPr lang="zh-CN" altLang="en-US" sz="1600" dirty="0"/>
+              <a:t>服务器</a:t>
+            </a:r>
+            <a:r>
+              <a:rPr lang="en-US" altLang="zh-CN" sz="1600" dirty="0"/>
+              <a:t>) </a:t>
+            </a:r>
+            <a:r>
+              <a:rPr lang="zh-CN" altLang="en-US" sz="1600" dirty="0"/>
+              <a:t>或者 一组节点</a:t>
+            </a:r>
+            <a:r>
+              <a:rPr lang="en-US" altLang="zh-CN" sz="1600" dirty="0"/>
+              <a:t>(</a:t>
+            </a:r>
+            <a:r>
+              <a:rPr lang="zh-CN" altLang="en-US" sz="1600" dirty="0"/>
+              <a:t>服务器</a:t>
+            </a:r>
+            <a:r>
+              <a:rPr lang="en-US" altLang="zh-CN" sz="1600" dirty="0"/>
+              <a:t>) </a:t>
+            </a:r>
+            <a:r>
+              <a:rPr lang="zh-CN" altLang="en-US" sz="1600" dirty="0"/>
+              <a:t>组合在一起存储数据，并且一起提供索引和搜索能力</a:t>
+            </a:r>
+            <a:r>
+              <a:rPr lang="en-US" altLang="zh-CN" sz="1600" dirty="0"/>
+              <a:t>,</a:t>
+            </a:r>
+            <a:r>
+              <a:rPr lang="zh-CN" altLang="en-US" sz="1600" dirty="0"/>
+              <a:t>一个集群具有唯一的名称</a:t>
+            </a:r>
+            <a:r>
+              <a:rPr lang="en-US" altLang="zh-CN" sz="1600" dirty="0"/>
+              <a:t>,</a:t>
+            </a:r>
+            <a:r>
+              <a:rPr lang="zh-CN" altLang="en-US" sz="1600" dirty="0"/>
+              <a:t>默认叫 </a:t>
+            </a:r>
+            <a:r>
+              <a:rPr lang="en-US" altLang="zh-CN" sz="1600" dirty="0"/>
+              <a:t>“</a:t>
+            </a:r>
+            <a:r>
+              <a:rPr lang="en-US" altLang="zh-CN" sz="1600" dirty="0" err="1"/>
+              <a:t>elasticsearch</a:t>
+            </a:r>
+            <a:r>
+              <a:rPr lang="en-US" altLang="zh-CN" sz="1600" dirty="0"/>
+              <a:t>“,</a:t>
+            </a:r>
+            <a:r>
+              <a:rPr lang="zh-CN" altLang="en-US" sz="1600" dirty="0"/>
+              <a:t>在</a:t>
+            </a:r>
+            <a:r>
+              <a:rPr lang="en-US" altLang="zh-CN" sz="1600" dirty="0" err="1"/>
+              <a:t>elasticsearch.yml</a:t>
+            </a:r>
+            <a:r>
+              <a:rPr lang="zh-CN" altLang="en-US" sz="1600" dirty="0"/>
+              <a:t>中配置</a:t>
+            </a:r>
+            <a:endParaRPr lang="en-US" altLang="zh-CN" sz="1600" dirty="0"/>
+          </a:p>
+          <a:p>
+            <a:r>
+              <a:rPr lang="en-US" altLang="zh-CN" dirty="0"/>
+              <a:t>3. Node(</a:t>
+            </a:r>
+            <a:r>
+              <a:rPr lang="zh-CN" altLang="en-US" dirty="0"/>
+              <a:t>节点</a:t>
+            </a:r>
+            <a:r>
+              <a:rPr lang="en-US" altLang="zh-CN" dirty="0"/>
+              <a:t>)</a:t>
+            </a:r>
+          </a:p>
+          <a:p>
+            <a:pPr marL="0" indent="0">
+              <a:buNone/>
+            </a:pPr>
+            <a:r>
+              <a:rPr lang="en-US" altLang="zh-CN" sz="1600" dirty="0"/>
+              <a:t>          node</a:t>
+            </a:r>
+            <a:r>
+              <a:rPr lang="zh-CN" altLang="en-US" sz="1600" dirty="0"/>
+              <a:t>是指集群中的一个服务器</a:t>
+            </a:r>
+            <a:r>
+              <a:rPr lang="en-US" altLang="zh-CN" sz="1600" dirty="0"/>
+              <a:t>,</a:t>
+            </a:r>
+            <a:r>
+              <a:rPr lang="zh-CN" altLang="en-US" sz="1600" dirty="0"/>
+              <a:t>参与存储数据</a:t>
+            </a:r>
+            <a:r>
+              <a:rPr lang="en-US" altLang="zh-CN" sz="1600" dirty="0"/>
+              <a:t>,</a:t>
+            </a:r>
+            <a:r>
+              <a:rPr lang="zh-CN" altLang="en-US" sz="1600" dirty="0"/>
+              <a:t>分担索引和搜索压力，一个节点在集群中具有唯一的名称，这个名称是节点在启动时随机分配的</a:t>
+            </a:r>
+            <a:r>
+              <a:rPr lang="en-US" altLang="zh-CN" sz="1600" dirty="0"/>
+              <a:t>,</a:t>
+            </a:r>
+            <a:r>
+              <a:rPr lang="zh-CN" altLang="en-US" sz="1600" dirty="0"/>
+              <a:t>在</a:t>
+            </a:r>
+            <a:r>
+              <a:rPr lang="en-US" altLang="zh-CN" sz="1600" dirty="0" err="1"/>
+              <a:t>elasticsearch.yml</a:t>
+            </a:r>
+            <a:r>
+              <a:rPr lang="zh-CN" altLang="en-US" sz="1600" dirty="0"/>
+              <a:t>中配置</a:t>
+            </a:r>
+            <a:endParaRPr lang="en-US" altLang="zh-CN" sz="1600" dirty="0"/>
+          </a:p>
+          <a:p>
+            <a:r>
+              <a:rPr lang="en-US" altLang="zh-CN" dirty="0"/>
+              <a:t>4. Index(</a:t>
+            </a:r>
+            <a:r>
+              <a:rPr lang="zh-CN" altLang="en-US" dirty="0"/>
+              <a:t>索引</a:t>
+            </a:r>
+            <a:r>
+              <a:rPr lang="en-US" altLang="zh-CN" dirty="0"/>
+              <a:t>)</a:t>
+            </a:r>
+          </a:p>
+          <a:p>
+            <a:pPr marL="0" indent="0">
+              <a:buNone/>
+            </a:pPr>
+            <a:r>
+              <a:rPr lang="en-US" altLang="zh-CN" sz="1600" dirty="0"/>
+              <a:t>          index</a:t>
+            </a:r>
+            <a:r>
+              <a:rPr lang="zh-CN" altLang="en-US" sz="1600" dirty="0"/>
+              <a:t>是指集群中一类文档的集合，和</a:t>
+            </a:r>
+            <a:r>
+              <a:rPr lang="en-US" altLang="zh-CN" sz="1600" dirty="0" err="1"/>
               <a:t>sqlserver</a:t>
             </a:r>
             <a:r>
-              <a:rPr lang="zh-CN" altLang="en-US" sz="1600" dirty="0" smtClean="0"/>
-              <a:t>中的表相对应</a:t>
-            </a:r>
-            <a:endParaRPr lang="en-US" altLang="zh-CN" sz="1600" dirty="0" smtClean="0"/>
+              <a:rPr lang="zh-CN" altLang="en-US" sz="1600" dirty="0"/>
+              <a:t>中的数据库相对应，比如用户表存储到一个</a:t>
+            </a:r>
+            <a:r>
+              <a:rPr lang="en-US" altLang="zh-CN" sz="1600" dirty="0"/>
+              <a:t>index</a:t>
+            </a:r>
+            <a:r>
+              <a:rPr lang="zh-CN" altLang="en-US" sz="1600" dirty="0"/>
+              <a:t>中，订单表存储在另外一个</a:t>
+            </a:r>
+            <a:r>
+              <a:rPr lang="en-US" altLang="zh-CN" sz="1600" dirty="0"/>
+              <a:t>index</a:t>
+            </a:r>
+            <a:r>
+              <a:rPr lang="zh-CN" altLang="en-US" sz="1600" dirty="0"/>
+              <a:t>中</a:t>
+            </a:r>
+            <a:r>
+              <a:rPr lang="en-US" altLang="zh-CN" sz="1600" dirty="0"/>
+              <a:t>,</a:t>
+            </a:r>
+            <a:r>
+              <a:rPr lang="zh-CN" altLang="en-US" sz="1600" dirty="0"/>
+              <a:t>你可以在一个集群中创建任意多个</a:t>
+            </a:r>
+            <a:r>
+              <a:rPr lang="en-US" altLang="zh-CN" sz="1600" dirty="0"/>
+              <a:t>index</a:t>
+            </a:r>
           </a:p>
           <a:p>
             <a:pPr marL="0" indent="0">
               <a:buNone/>
             </a:pPr>
-            <a:r>
-              <a:rPr lang="en-US" altLang="zh-CN" sz="1600" dirty="0"/>
-              <a:t> </a:t>
-            </a:r>
-            <a:r>
-              <a:rPr lang="en-US" altLang="zh-CN" sz="1600" dirty="0" smtClean="0"/>
-              <a:t>       </a:t>
-            </a:r>
-            <a:r>
-              <a:rPr lang="en-US" altLang="zh-CN" sz="1600" dirty="0" smtClean="0"/>
-              <a:t>6.0.0</a:t>
-            </a:r>
-            <a:r>
-              <a:rPr lang="zh-CN" altLang="en-US" sz="1600" dirty="0" smtClean="0"/>
-              <a:t>以后的版本已经不推荐在同一个</a:t>
-            </a:r>
-            <a:r>
-              <a:rPr lang="en-US" altLang="zh-CN" sz="1600" dirty="0" smtClean="0"/>
-              <a:t>index</a:t>
-            </a:r>
-            <a:r>
-              <a:rPr lang="zh-CN" altLang="en-US" sz="1600" dirty="0" smtClean="0"/>
-              <a:t>中创建多个</a:t>
-            </a:r>
-            <a:r>
-              <a:rPr lang="en-US" altLang="zh-CN" sz="1600" dirty="0" smtClean="0"/>
-              <a:t>type,</a:t>
-            </a:r>
-            <a:r>
-              <a:rPr lang="zh-CN" altLang="en-US" sz="1600" dirty="0" smtClean="0"/>
-              <a:t>原因是不同的</a:t>
-            </a:r>
-            <a:r>
-              <a:rPr lang="en-US" altLang="zh-CN" sz="1600" dirty="0" smtClean="0"/>
-              <a:t>type</a:t>
-            </a:r>
-            <a:r>
-              <a:rPr lang="zh-CN" altLang="en-US" sz="1600" dirty="0" smtClean="0"/>
-              <a:t>中相同的字段可能出现冲突</a:t>
-            </a:r>
-            <a:endParaRPr lang="en-US" altLang="zh-CN" sz="1600" dirty="0" smtClean="0"/>
+            <a:endParaRPr lang="en-US" altLang="zh-CN" sz="1600" dirty="0"/>
           </a:p>
           <a:p>
             <a:pPr marL="0" indent="0">
               <a:buNone/>
             </a:pPr>
-            <a:r>
-              <a:rPr lang="zh-CN" altLang="en-US" sz="1600" dirty="0" smtClean="0"/>
-              <a:t>        根据官网介绍，弃用可以获得更多好处</a:t>
-            </a:r>
-          </a:p>
-          <a:p>
-            <a:pPr marL="0" indent="0">
-              <a:buNone/>
-            </a:pPr>
-            <a:r>
-              <a:rPr lang="zh-CN" altLang="en-US" sz="1600" dirty="0" smtClean="0"/>
-              <a:t>	</a:t>
-            </a:r>
-            <a:r>
-              <a:rPr lang="en-US" altLang="zh-CN" sz="1600" dirty="0" smtClean="0"/>
-              <a:t>1: </a:t>
-            </a:r>
-            <a:r>
-              <a:rPr lang="zh-CN" altLang="en-US" sz="1600" dirty="0" smtClean="0"/>
-              <a:t>增加数据稠密度</a:t>
-            </a:r>
-            <a:r>
-              <a:rPr lang="en-US" altLang="zh-CN" sz="1600" dirty="0" smtClean="0"/>
-              <a:t>,</a:t>
-            </a:r>
-            <a:r>
-              <a:rPr lang="zh-CN" altLang="en-US" sz="1600" dirty="0" smtClean="0"/>
-              <a:t>可以更好的使用</a:t>
-            </a:r>
-            <a:r>
-              <a:rPr lang="en-US" altLang="zh-CN" sz="1600" dirty="0" err="1" smtClean="0"/>
-              <a:t>Lucene</a:t>
-            </a:r>
-            <a:r>
-              <a:rPr lang="zh-CN" altLang="en-US" sz="1600" dirty="0" smtClean="0"/>
-              <a:t>的数据压缩技术</a:t>
-            </a:r>
-          </a:p>
-          <a:p>
-            <a:pPr marL="0" indent="0">
-              <a:buNone/>
-            </a:pPr>
-            <a:r>
-              <a:rPr lang="zh-CN" altLang="en-US" sz="1600" dirty="0" smtClean="0"/>
-              <a:t>	</a:t>
-            </a:r>
-            <a:r>
-              <a:rPr lang="en-US" altLang="zh-CN" sz="1600" dirty="0" smtClean="0"/>
-              <a:t>2: </a:t>
-            </a:r>
-            <a:r>
-              <a:rPr lang="zh-CN" altLang="en-US" sz="1600" dirty="0" smtClean="0"/>
-              <a:t>提供更加精确的全文检索</a:t>
-            </a:r>
-            <a:r>
-              <a:rPr lang="en-US" altLang="zh-CN" sz="1600" dirty="0" smtClean="0"/>
-              <a:t>, </a:t>
-            </a:r>
-            <a:r>
-              <a:rPr lang="zh-CN" altLang="en-US" sz="1600" dirty="0" smtClean="0"/>
-              <a:t>因为所有的文档在同一个</a:t>
-            </a:r>
-            <a:r>
-              <a:rPr lang="en-US" altLang="zh-CN" sz="1600" dirty="0" smtClean="0"/>
-              <a:t>index</a:t>
-            </a:r>
-            <a:r>
-              <a:rPr lang="zh-CN" altLang="en-US" sz="1600" dirty="0" smtClean="0"/>
-              <a:t>中都是唯一的。</a:t>
-            </a:r>
-            <a:endParaRPr lang="en-US" altLang="zh-CN" sz="1600" dirty="0" smtClean="0"/>
-          </a:p>
-          <a:p>
-            <a:r>
-              <a:rPr lang="en-US" altLang="zh-CN" dirty="0"/>
-              <a:t>6. document(</a:t>
-            </a:r>
-            <a:r>
-              <a:rPr lang="zh-CN" altLang="en-US" dirty="0"/>
-              <a:t>文档</a:t>
-            </a:r>
-            <a:r>
-              <a:rPr lang="en-US" altLang="zh-CN" dirty="0"/>
-              <a:t>)       </a:t>
-            </a:r>
-            <a:endParaRPr lang="en-US" altLang="zh-CN" dirty="0" smtClean="0"/>
-          </a:p>
-          <a:p>
-            <a:pPr marL="0" indent="0">
-              <a:buNone/>
-            </a:pPr>
-            <a:r>
-              <a:rPr lang="zh-CN" altLang="en-US" sz="1600" dirty="0" smtClean="0"/>
-              <a:t>         相当于</a:t>
-            </a:r>
-            <a:r>
-              <a:rPr lang="zh-CN" altLang="en-US" sz="1600" dirty="0"/>
-              <a:t>表中的一条记录</a:t>
-            </a:r>
-            <a:r>
-              <a:rPr lang="en-US" altLang="zh-CN" sz="1600" dirty="0"/>
-              <a:t>,</a:t>
-            </a:r>
-            <a:r>
-              <a:rPr lang="zh-CN" altLang="en-US" sz="1600" dirty="0"/>
-              <a:t>是索引的基本单元</a:t>
-            </a:r>
-            <a:r>
-              <a:rPr lang="en-US" altLang="zh-CN" sz="1600" dirty="0"/>
-              <a:t>, </a:t>
-            </a:r>
-            <a:r>
-              <a:rPr lang="zh-CN" altLang="en-US" sz="1600" dirty="0"/>
-              <a:t>一条用户信息、一个产品信息</a:t>
-            </a:r>
-            <a:r>
-              <a:rPr lang="en-US" altLang="zh-CN" sz="1600" dirty="0"/>
-              <a:t>,</a:t>
-            </a:r>
-            <a:r>
-              <a:rPr lang="zh-CN" altLang="en-US" sz="1600" dirty="0"/>
-              <a:t>都可以表示为一个</a:t>
-            </a:r>
-            <a:r>
-              <a:rPr lang="en-US" altLang="zh-CN" sz="1600" dirty="0" err="1"/>
-              <a:t>document,document</a:t>
-            </a:r>
-            <a:r>
-              <a:rPr lang="zh-CN" altLang="en-US" sz="1600" dirty="0"/>
-              <a:t>具体呈现为</a:t>
-            </a:r>
-            <a:r>
-              <a:rPr lang="en-US" altLang="zh-CN" sz="1600" dirty="0" err="1"/>
-              <a:t>json</a:t>
-            </a:r>
-            <a:r>
-              <a:rPr lang="zh-CN" altLang="en-US" sz="1600" dirty="0"/>
-              <a:t>数据格式</a:t>
-            </a:r>
-            <a:r>
-              <a:rPr lang="en-US" altLang="zh-CN" sz="1600" dirty="0" smtClean="0"/>
-              <a:t>.</a:t>
-            </a:r>
+            <a:endParaRPr lang="zh-CN" altLang="en-US" sz="1600" dirty="0"/>
           </a:p>
         </p:txBody>
       </p:sp>
     </p:spTree>
     <p:extLst>
       <p:ext uri="{BB962C8B-B14F-4D97-AF65-F5344CB8AC3E}">
-        <p14:creationId xmlns:p14="http://schemas.microsoft.com/office/powerpoint/2010/main" val="2907406958"/>
+        <p14:creationId xmlns:p14="http://schemas.microsoft.com/office/powerpoint/2010/main" val="1213038386"/>
       </p:ext>
     </p:extLst>
   </p:cSld>
   <p:clrMapOvr>
     <a:masterClrMapping/>
   </p:clrMapOvr>
-  <p:timing>
-    <p:tnLst>
-      <p:par>
-        <p:cTn id="1" dur="indefinite" restart="never" nodeType="tmRoot"/>
-      </p:par>
-    </p:tnLst>
-  </p:timing>
 </p:sld>
 </file>
 
@@ -4767,14 +4869,13 @@
           <a:lstStyle/>
           <a:p>
             <a:r>
-              <a:rPr lang="en-US" altLang="zh-CN" dirty="0" smtClean="0"/>
+              <a:rPr lang="en-US" altLang="zh-CN" dirty="0"/>
               <a:t>ES</a:t>
             </a:r>
             <a:r>
-              <a:rPr lang="zh-CN" altLang="en-US" dirty="0" smtClean="0"/>
-              <a:t>基本概念三</a:t>
-            </a:r>
-            <a:endParaRPr lang="zh-CN" altLang="en-US" dirty="0"/>
+              <a:rPr lang="zh-CN" altLang="en-US" dirty="0"/>
+              <a:t>基本概念二</a:t>
+            </a:r>
           </a:p>
         </p:txBody>
       </p:sp>
@@ -4796,233 +4897,224 @@
           <a:lstStyle/>
           <a:p>
             <a:r>
-              <a:rPr lang="en-US" altLang="zh-CN" dirty="0" smtClean="0"/>
-              <a:t>7.  </a:t>
-            </a:r>
-            <a:r>
-              <a:rPr lang="en-US" altLang="zh-CN" dirty="0" err="1" smtClean="0"/>
-              <a:t>Shards&amp;Replicas</a:t>
-            </a:r>
-            <a:r>
-              <a:rPr lang="en-US" altLang="zh-CN" dirty="0" smtClean="0"/>
-              <a:t>(</a:t>
-            </a:r>
-            <a:r>
-              <a:rPr lang="zh-CN" altLang="en-US" dirty="0" smtClean="0"/>
-              <a:t>分片和副本</a:t>
-            </a:r>
-            <a:r>
-              <a:rPr lang="en-US" altLang="zh-CN" dirty="0" smtClean="0"/>
+              <a:rPr lang="en-US" altLang="zh-CN" dirty="0"/>
+              <a:t>5. Type(</a:t>
+            </a:r>
+            <a:r>
+              <a:rPr lang="zh-CN" altLang="en-US" dirty="0"/>
+              <a:t>类型</a:t>
+            </a:r>
+            <a:r>
+              <a:rPr lang="en-US" altLang="zh-CN" dirty="0"/>
               <a:t>)</a:t>
             </a:r>
+            <a:endParaRPr lang="en-US" altLang="zh-CN" sz="1600" dirty="0"/>
           </a:p>
           <a:p>
             <a:pPr marL="0" indent="0">
               <a:buNone/>
             </a:pPr>
             <a:r>
-              <a:rPr lang="zh-CN" altLang="en-US" sz="1700" dirty="0"/>
-              <a:t>          分片是指把一个大的</a:t>
-            </a:r>
-            <a:r>
-              <a:rPr lang="en-US" altLang="zh-CN" sz="1700" dirty="0"/>
+              <a:rPr lang="zh-CN" altLang="en-US" sz="1600" dirty="0"/>
+              <a:t>        和</a:t>
+            </a:r>
+            <a:r>
+              <a:rPr lang="en-US" altLang="zh-CN" sz="1600" dirty="0" err="1"/>
+              <a:t>sqlserver</a:t>
+            </a:r>
+            <a:r>
+              <a:rPr lang="zh-CN" altLang="en-US" sz="1600" dirty="0"/>
+              <a:t>中的表相对应</a:t>
+            </a:r>
+            <a:endParaRPr lang="en-US" altLang="zh-CN" sz="1600" dirty="0"/>
+          </a:p>
+          <a:p>
+            <a:pPr marL="0" indent="0">
+              <a:buNone/>
+            </a:pPr>
+            <a:r>
+              <a:rPr lang="en-US" altLang="zh-CN" sz="1600" dirty="0"/>
+              <a:t>        6.0.0</a:t>
+            </a:r>
+            <a:r>
+              <a:rPr lang="zh-CN" altLang="en-US" sz="1600" dirty="0"/>
+              <a:t>以后的版本已经不推荐在同一个</a:t>
+            </a:r>
+            <a:r>
+              <a:rPr lang="en-US" altLang="zh-CN" sz="1600" dirty="0"/>
               <a:t>index</a:t>
             </a:r>
             <a:r>
-              <a:rPr lang="zh-CN" altLang="en-US" sz="1700" dirty="0"/>
-              <a:t>分成不同的片</a:t>
-            </a:r>
-            <a:r>
-              <a:rPr lang="en-US" altLang="zh-CN" sz="1700" dirty="0"/>
+              <a:rPr lang="zh-CN" altLang="en-US" sz="1600" dirty="0"/>
+              <a:t>中创建多个</a:t>
+            </a:r>
+            <a:r>
+              <a:rPr lang="en-US" altLang="zh-CN" sz="1600" dirty="0"/>
+              <a:t>type,</a:t>
+            </a:r>
+            <a:r>
+              <a:rPr lang="zh-CN" altLang="en-US" sz="1600" dirty="0"/>
+              <a:t>原因是不同的</a:t>
+            </a:r>
+            <a:r>
+              <a:rPr lang="en-US" altLang="zh-CN" sz="1600" dirty="0"/>
+              <a:t>type</a:t>
+            </a:r>
+            <a:r>
+              <a:rPr lang="zh-CN" altLang="en-US" sz="1600" dirty="0"/>
+              <a:t>中相同的字段可能出现冲突</a:t>
+            </a:r>
+            <a:endParaRPr lang="en-US" altLang="zh-CN" sz="1600" dirty="0"/>
+          </a:p>
+          <a:p>
+            <a:pPr marL="0" indent="0">
+              <a:buNone/>
+            </a:pPr>
+            <a:r>
+              <a:rPr lang="zh-CN" altLang="en-US" sz="1600" dirty="0"/>
+              <a:t>        根据官网介绍，弃用可以获得更多好处</a:t>
+            </a:r>
+          </a:p>
+          <a:p>
+            <a:pPr marL="0" indent="0">
+              <a:buNone/>
+            </a:pPr>
+            <a:r>
+              <a:rPr lang="zh-CN" altLang="en-US" sz="1600" dirty="0"/>
+              <a:t>	</a:t>
+            </a:r>
+            <a:r>
+              <a:rPr lang="en-US" altLang="zh-CN" sz="1600" dirty="0"/>
+              <a:t>1: </a:t>
+            </a:r>
+            <a:r>
+              <a:rPr lang="zh-CN" altLang="en-US" sz="1600" dirty="0"/>
+              <a:t>增加数据稠密度</a:t>
+            </a:r>
+            <a:r>
+              <a:rPr lang="en-US" altLang="zh-CN" sz="1600" dirty="0"/>
               <a:t>,</a:t>
             </a:r>
             <a:r>
-              <a:rPr lang="zh-CN" altLang="en-US" sz="1700" dirty="0"/>
-              <a:t>分别存储在不同的服务器上</a:t>
-            </a:r>
-            <a:r>
-              <a:rPr lang="en-US" altLang="zh-CN" sz="1700" dirty="0"/>
+              <a:rPr lang="zh-CN" altLang="en-US" sz="1600" dirty="0"/>
+              <a:t>可以更好的使用</a:t>
+            </a:r>
+            <a:r>
+              <a:rPr lang="en-US" altLang="zh-CN" sz="1600" dirty="0" err="1"/>
+              <a:t>Lucene</a:t>
+            </a:r>
+            <a:r>
+              <a:rPr lang="zh-CN" altLang="en-US" sz="1600" dirty="0"/>
+              <a:t>的数据压缩技术</a:t>
+            </a:r>
+          </a:p>
+          <a:p>
+            <a:pPr marL="0" indent="0">
+              <a:buNone/>
+            </a:pPr>
+            <a:r>
+              <a:rPr lang="zh-CN" altLang="en-US" sz="1600" dirty="0"/>
+              <a:t>	</a:t>
+            </a:r>
+            <a:r>
+              <a:rPr lang="en-US" altLang="zh-CN" sz="1600" dirty="0"/>
+              <a:t>2: </a:t>
+            </a:r>
+            <a:r>
+              <a:rPr lang="zh-CN" altLang="en-US" sz="1600" dirty="0"/>
+              <a:t>提供更加精确的全文检索</a:t>
+            </a:r>
+            <a:r>
+              <a:rPr lang="en-US" altLang="zh-CN" sz="1600" dirty="0"/>
+              <a:t>, </a:t>
+            </a:r>
+            <a:r>
+              <a:rPr lang="zh-CN" altLang="en-US" sz="1600" dirty="0"/>
+              <a:t>因为所有的文档在同一个</a:t>
+            </a:r>
+            <a:r>
+              <a:rPr lang="en-US" altLang="zh-CN" sz="1600" dirty="0"/>
+              <a:t>index</a:t>
+            </a:r>
+            <a:r>
+              <a:rPr lang="zh-CN" altLang="en-US" sz="1600" dirty="0"/>
+              <a:t>中都是唯一的。</a:t>
+            </a:r>
+            <a:endParaRPr lang="en-US" altLang="zh-CN" sz="1600" dirty="0"/>
+          </a:p>
+          <a:p>
+            <a:r>
+              <a:rPr lang="en-US" altLang="zh-CN" dirty="0"/>
+              <a:t>6. document(</a:t>
+            </a:r>
+            <a:r>
+              <a:rPr lang="zh-CN" altLang="en-US" dirty="0"/>
+              <a:t>文档</a:t>
+            </a:r>
+            <a:r>
+              <a:rPr lang="en-US" altLang="zh-CN" dirty="0"/>
+              <a:t>)       </a:t>
+            </a:r>
+          </a:p>
+          <a:p>
+            <a:pPr marL="0" indent="0">
+              <a:buNone/>
+            </a:pPr>
+            <a:r>
+              <a:rPr lang="zh-CN" altLang="en-US" sz="1600" dirty="0"/>
+              <a:t>         相当于表中的一条记录</a:t>
+            </a:r>
+            <a:r>
+              <a:rPr lang="en-US" altLang="zh-CN" sz="1600" dirty="0"/>
               <a:t>,</a:t>
             </a:r>
             <a:r>
-              <a:rPr lang="zh-CN" altLang="en-US" sz="1700" dirty="0"/>
-              <a:t>分片有以下好处</a:t>
-            </a:r>
-          </a:p>
-          <a:p>
-            <a:pPr marL="0" indent="0">
-              <a:buNone/>
-            </a:pPr>
-            <a:r>
-              <a:rPr lang="zh-CN" altLang="en-US" sz="1700" dirty="0"/>
-              <a:t>	</a:t>
-            </a:r>
-            <a:r>
-              <a:rPr lang="en-US" altLang="zh-CN" sz="1700" dirty="0"/>
-              <a:t>1: </a:t>
-            </a:r>
-            <a:r>
-              <a:rPr lang="zh-CN" altLang="en-US" sz="1700" dirty="0"/>
-              <a:t>实现数据的水平扩展</a:t>
-            </a:r>
-            <a:r>
-              <a:rPr lang="en-US" altLang="zh-CN" sz="1700" dirty="0"/>
+              <a:rPr lang="zh-CN" altLang="en-US" sz="1600" dirty="0"/>
+              <a:t>是索引的基本单元</a:t>
+            </a:r>
+            <a:r>
+              <a:rPr lang="en-US" altLang="zh-CN" sz="1600" dirty="0"/>
+              <a:t>, </a:t>
+            </a:r>
+            <a:r>
+              <a:rPr lang="zh-CN" altLang="en-US" sz="1600" dirty="0"/>
+              <a:t>一条用户信息、一个产品信息</a:t>
+            </a:r>
+            <a:r>
+              <a:rPr lang="en-US" altLang="zh-CN" sz="1600" dirty="0"/>
               <a:t>,</a:t>
             </a:r>
             <a:r>
-              <a:rPr lang="zh-CN" altLang="en-US" sz="1700" dirty="0"/>
-              <a:t>增加容量</a:t>
-            </a:r>
-            <a:r>
-              <a:rPr lang="en-US" altLang="zh-CN" sz="1700" dirty="0"/>
+              <a:rPr lang="zh-CN" altLang="en-US" sz="1600" dirty="0"/>
+              <a:t>都可以表示为一个</a:t>
+            </a:r>
+            <a:r>
+              <a:rPr lang="en-US" altLang="zh-CN" sz="1600" dirty="0" err="1"/>
+              <a:t>document,document</a:t>
+            </a:r>
+            <a:r>
+              <a:rPr lang="zh-CN" altLang="en-US" sz="1600" dirty="0"/>
+              <a:t>具体呈现为</a:t>
+            </a:r>
+            <a:r>
+              <a:rPr lang="en-US" altLang="zh-CN" sz="1600" dirty="0" err="1"/>
+              <a:t>json</a:t>
+            </a:r>
+            <a:r>
+              <a:rPr lang="zh-CN" altLang="en-US" sz="1600" dirty="0"/>
+              <a:t>数据格式</a:t>
+            </a:r>
+            <a:r>
+              <a:rPr lang="en-US" altLang="zh-CN" sz="1600" dirty="0"/>
               <a:t>.</a:t>
             </a:r>
-          </a:p>
-          <a:p>
-            <a:pPr marL="0" indent="0">
-              <a:buNone/>
-            </a:pPr>
-            <a:r>
-              <a:rPr lang="en-US" altLang="zh-CN" sz="1700" dirty="0"/>
-              <a:t>	2: </a:t>
-            </a:r>
-            <a:r>
-              <a:rPr lang="zh-CN" altLang="en-US" sz="1700" dirty="0"/>
-              <a:t>把分片分布到不同的服务器上</a:t>
-            </a:r>
-            <a:r>
-              <a:rPr lang="en-US" altLang="zh-CN" sz="1700" dirty="0"/>
-              <a:t>,</a:t>
-            </a:r>
-            <a:r>
-              <a:rPr lang="zh-CN" altLang="en-US" sz="1700" dirty="0"/>
-              <a:t>这样每个分片都可以承担搜索压力</a:t>
-            </a:r>
-            <a:r>
-              <a:rPr lang="en-US" altLang="zh-CN" sz="1700" dirty="0"/>
-              <a:t>,</a:t>
-            </a:r>
-            <a:r>
-              <a:rPr lang="zh-CN" altLang="en-US" sz="1700" dirty="0"/>
-              <a:t>增加计算能力</a:t>
-            </a:r>
-            <a:r>
-              <a:rPr lang="en-US" altLang="zh-CN" sz="1700" dirty="0"/>
-              <a:t>.</a:t>
-            </a:r>
-          </a:p>
-          <a:p>
-            <a:pPr marL="0" indent="0">
-              <a:buNone/>
-            </a:pPr>
-            <a:r>
-              <a:rPr lang="en-US" altLang="zh-CN" sz="1700" dirty="0"/>
-              <a:t>          </a:t>
-            </a:r>
-            <a:r>
-              <a:rPr lang="zh-CN" altLang="en-US" sz="1700" dirty="0"/>
-              <a:t>副本是指 拷贝分片 </a:t>
-            </a:r>
-            <a:r>
-              <a:rPr lang="en-US" altLang="zh-CN" sz="1700" dirty="0"/>
-              <a:t>,</a:t>
-            </a:r>
-            <a:r>
-              <a:rPr lang="zh-CN" altLang="en-US" sz="1700" dirty="0"/>
-              <a:t>然后把相同的分片分布到不同的服务器上</a:t>
-            </a:r>
-            <a:r>
-              <a:rPr lang="en-US" altLang="zh-CN" sz="1700" dirty="0"/>
-              <a:t>.</a:t>
-            </a:r>
-            <a:r>
-              <a:rPr lang="zh-CN" altLang="en-US" sz="1700" dirty="0"/>
-              <a:t>副本有以下好处</a:t>
-            </a:r>
-          </a:p>
-          <a:p>
-            <a:pPr marL="0" indent="0">
-              <a:buNone/>
-            </a:pPr>
-            <a:r>
-              <a:rPr lang="zh-CN" altLang="en-US" sz="1700" dirty="0"/>
-              <a:t>	</a:t>
-            </a:r>
-            <a:r>
-              <a:rPr lang="en-US" altLang="zh-CN" sz="1700" dirty="0"/>
-              <a:t>1: </a:t>
-            </a:r>
-            <a:r>
-              <a:rPr lang="zh-CN" altLang="en-US" sz="1700" dirty="0"/>
-              <a:t>增加可用性</a:t>
-            </a:r>
-            <a:r>
-              <a:rPr lang="en-US" altLang="zh-CN" sz="1700" dirty="0"/>
-              <a:t>, </a:t>
-            </a:r>
-            <a:r>
-              <a:rPr lang="zh-CN" altLang="en-US" sz="1700" dirty="0"/>
-              <a:t>相同的副本分布到不同的服务器上</a:t>
-            </a:r>
-            <a:r>
-              <a:rPr lang="en-US" altLang="zh-CN" sz="1700" dirty="0"/>
-              <a:t>,</a:t>
-            </a:r>
-            <a:r>
-              <a:rPr lang="zh-CN" altLang="en-US" sz="1700" dirty="0"/>
-              <a:t>这样服务器挂了之后</a:t>
-            </a:r>
-            <a:r>
-              <a:rPr lang="en-US" altLang="zh-CN" sz="1700" dirty="0"/>
-              <a:t>,</a:t>
-            </a:r>
-            <a:r>
-              <a:rPr lang="zh-CN" altLang="en-US" sz="1700" dirty="0"/>
-              <a:t>搜索任务依然可用</a:t>
-            </a:r>
-            <a:r>
-              <a:rPr lang="en-US" altLang="zh-CN" sz="1700" dirty="0"/>
-              <a:t>.</a:t>
-            </a:r>
-          </a:p>
-          <a:p>
-            <a:pPr marL="0" indent="0">
-              <a:buNone/>
-            </a:pPr>
-            <a:r>
-              <a:rPr lang="en-US" altLang="zh-CN" sz="1700" dirty="0"/>
-              <a:t>	2: </a:t>
-            </a:r>
-            <a:r>
-              <a:rPr lang="zh-CN" altLang="en-US" sz="1700" dirty="0"/>
-              <a:t>扩展搜索量</a:t>
-            </a:r>
-            <a:r>
-              <a:rPr lang="en-US" altLang="zh-CN" sz="1700" dirty="0"/>
-              <a:t>, </a:t>
-            </a:r>
-            <a:r>
-              <a:rPr lang="zh-CN" altLang="en-US" sz="1700" dirty="0"/>
-              <a:t>因为可以在所有副本上并行执行搜索任务</a:t>
-            </a:r>
-            <a:r>
-              <a:rPr lang="en-US" altLang="zh-CN" sz="1700" dirty="0"/>
-              <a:t>.</a:t>
-            </a:r>
-            <a:endParaRPr lang="zh-CN" altLang="en-US" sz="1700" dirty="0"/>
-          </a:p>
-          <a:p>
-            <a:pPr marL="0" indent="0">
-              <a:buNone/>
-            </a:pPr>
-            <a:endParaRPr lang="zh-CN" altLang="en-US" dirty="0"/>
           </a:p>
         </p:txBody>
       </p:sp>
     </p:spTree>
     <p:extLst>
       <p:ext uri="{BB962C8B-B14F-4D97-AF65-F5344CB8AC3E}">
-        <p14:creationId xmlns:p14="http://schemas.microsoft.com/office/powerpoint/2010/main" val="4048420521"/>
+        <p14:creationId xmlns:p14="http://schemas.microsoft.com/office/powerpoint/2010/main" val="2907406958"/>
       </p:ext>
     </p:extLst>
   </p:cSld>
@@ -5065,18 +5157,13 @@
           <a:lstStyle/>
           <a:p>
             <a:r>
-              <a:rPr lang="zh-CN" altLang="en-US" dirty="0" smtClean="0"/>
-              <a:t>与</a:t>
-            </a:r>
-            <a:r>
-              <a:rPr lang="en-US" altLang="zh-CN" dirty="0" smtClean="0"/>
+              <a:rPr lang="en-US" altLang="zh-CN" dirty="0"/>
               <a:t>ES</a:t>
             </a:r>
             <a:r>
-              <a:rPr lang="zh-CN" altLang="en-US" dirty="0" smtClean="0"/>
-              <a:t>交互</a:t>
-            </a:r>
-            <a:endParaRPr lang="zh-CN" altLang="en-US" dirty="0"/>
+              <a:rPr lang="zh-CN" altLang="en-US" dirty="0"/>
+              <a:t>基本概念三</a:t>
+            </a:r>
           </a:p>
         </p:txBody>
       </p:sp>
@@ -5092,9 +5179,231 @@
         </p:nvSpPr>
         <p:spPr/>
         <p:txBody>
-          <a:bodyPr/>
-          <a:lstStyle/>
-          <a:p>
+          <a:bodyPr>
+            <a:normAutofit/>
+          </a:bodyPr>
+          <a:lstStyle/>
+          <a:p>
+            <a:r>
+              <a:rPr lang="en-US" altLang="zh-CN" dirty="0"/>
+              <a:t>7.  </a:t>
+            </a:r>
+            <a:r>
+              <a:rPr lang="en-US" altLang="zh-CN" dirty="0" err="1"/>
+              <a:t>Shards&amp;Replicas</a:t>
+            </a:r>
+            <a:r>
+              <a:rPr lang="en-US" altLang="zh-CN" dirty="0"/>
+              <a:t>(</a:t>
+            </a:r>
+            <a:r>
+              <a:rPr lang="zh-CN" altLang="en-US" dirty="0"/>
+              <a:t>分片和副本</a:t>
+            </a:r>
+            <a:r>
+              <a:rPr lang="en-US" altLang="zh-CN" dirty="0"/>
+              <a:t>)</a:t>
+            </a:r>
+          </a:p>
+          <a:p>
+            <a:pPr marL="0" indent="0">
+              <a:buNone/>
+            </a:pPr>
+            <a:r>
+              <a:rPr lang="zh-CN" altLang="en-US" sz="1700" dirty="0"/>
+              <a:t>          分片是指把一个大的</a:t>
+            </a:r>
+            <a:r>
+              <a:rPr lang="en-US" altLang="zh-CN" sz="1700" dirty="0"/>
+              <a:t>index</a:t>
+            </a:r>
+            <a:r>
+              <a:rPr lang="zh-CN" altLang="en-US" sz="1700" dirty="0"/>
+              <a:t>分成不同的片</a:t>
+            </a:r>
+            <a:r>
+              <a:rPr lang="en-US" altLang="zh-CN" sz="1700" dirty="0"/>
+              <a:t>,</a:t>
+            </a:r>
+            <a:r>
+              <a:rPr lang="zh-CN" altLang="en-US" sz="1700" dirty="0"/>
+              <a:t>分别存储在不同的服务器上</a:t>
+            </a:r>
+            <a:r>
+              <a:rPr lang="en-US" altLang="zh-CN" sz="1700" dirty="0"/>
+              <a:t>,</a:t>
+            </a:r>
+            <a:r>
+              <a:rPr lang="zh-CN" altLang="en-US" sz="1700" dirty="0"/>
+              <a:t>分片有以下好处</a:t>
+            </a:r>
+          </a:p>
+          <a:p>
+            <a:pPr marL="0" indent="0">
+              <a:buNone/>
+            </a:pPr>
+            <a:r>
+              <a:rPr lang="zh-CN" altLang="en-US" sz="1700" dirty="0"/>
+              <a:t>	</a:t>
+            </a:r>
+            <a:r>
+              <a:rPr lang="en-US" altLang="zh-CN" sz="1700" dirty="0"/>
+              <a:t>1: </a:t>
+            </a:r>
+            <a:r>
+              <a:rPr lang="zh-CN" altLang="en-US" sz="1700" dirty="0"/>
+              <a:t>实现数据的水平扩展</a:t>
+            </a:r>
+            <a:r>
+              <a:rPr lang="en-US" altLang="zh-CN" sz="1700" dirty="0"/>
+              <a:t>,</a:t>
+            </a:r>
+            <a:r>
+              <a:rPr lang="zh-CN" altLang="en-US" sz="1700" dirty="0"/>
+              <a:t>增加容量</a:t>
+            </a:r>
+            <a:r>
+              <a:rPr lang="en-US" altLang="zh-CN" sz="1700" dirty="0"/>
+              <a:t>.</a:t>
+            </a:r>
+          </a:p>
+          <a:p>
+            <a:pPr marL="0" indent="0">
+              <a:buNone/>
+            </a:pPr>
+            <a:r>
+              <a:rPr lang="en-US" altLang="zh-CN" sz="1700" dirty="0"/>
+              <a:t>	2: </a:t>
+            </a:r>
+            <a:r>
+              <a:rPr lang="zh-CN" altLang="en-US" sz="1700" dirty="0"/>
+              <a:t>把分片分布到不同的服务器上</a:t>
+            </a:r>
+            <a:r>
+              <a:rPr lang="en-US" altLang="zh-CN" sz="1700" dirty="0"/>
+              <a:t>,</a:t>
+            </a:r>
+            <a:r>
+              <a:rPr lang="zh-CN" altLang="en-US" sz="1700" dirty="0"/>
+              <a:t>这样每个分片都可以承担搜索压力</a:t>
+            </a:r>
+            <a:r>
+              <a:rPr lang="en-US" altLang="zh-CN" sz="1700" dirty="0"/>
+              <a:t>,</a:t>
+            </a:r>
+            <a:r>
+              <a:rPr lang="zh-CN" altLang="en-US" sz="1700" dirty="0"/>
+              <a:t>增加计算能力</a:t>
+            </a:r>
+            <a:r>
+              <a:rPr lang="en-US" altLang="zh-CN" sz="1700" dirty="0"/>
+              <a:t>.</a:t>
+            </a:r>
+          </a:p>
+          <a:p>
+            <a:pPr marL="0" indent="0">
+              <a:buNone/>
+            </a:pPr>
+            <a:r>
+              <a:rPr lang="en-US" altLang="zh-CN" sz="1700" dirty="0"/>
+              <a:t>          </a:t>
+            </a:r>
+            <a:r>
+              <a:rPr lang="zh-CN" altLang="en-US" sz="1700" dirty="0"/>
+              <a:t>副本是指 拷贝分片 </a:t>
+            </a:r>
+            <a:r>
+              <a:rPr lang="en-US" altLang="zh-CN" sz="1700" dirty="0"/>
+              <a:t>,</a:t>
+            </a:r>
+            <a:r>
+              <a:rPr lang="zh-CN" altLang="en-US" sz="1700" dirty="0"/>
+              <a:t>然后把相同的分片分布到不同的服务器上</a:t>
+            </a:r>
+            <a:r>
+              <a:rPr lang="en-US" altLang="zh-CN" sz="1700" dirty="0"/>
+              <a:t>.</a:t>
+            </a:r>
+            <a:r>
+              <a:rPr lang="zh-CN" altLang="en-US" sz="1700" dirty="0"/>
+              <a:t>副本有以下好处</a:t>
+            </a:r>
+          </a:p>
+          <a:p>
+            <a:pPr marL="0" indent="0">
+              <a:buNone/>
+            </a:pPr>
+            <a:r>
+              <a:rPr lang="zh-CN" altLang="en-US" sz="1700" dirty="0"/>
+              <a:t>	</a:t>
+            </a:r>
+            <a:r>
+              <a:rPr lang="en-US" altLang="zh-CN" sz="1700" dirty="0"/>
+              <a:t>1: </a:t>
+            </a:r>
+            <a:r>
+              <a:rPr lang="zh-CN" altLang="en-US" sz="1700" dirty="0"/>
+              <a:t>增加可用性</a:t>
+            </a:r>
+            <a:r>
+              <a:rPr lang="en-US" altLang="zh-CN" sz="1700" dirty="0"/>
+              <a:t>, </a:t>
+            </a:r>
+            <a:r>
+              <a:rPr lang="zh-CN" altLang="en-US" sz="1700" dirty="0"/>
+              <a:t>相同的副本分布到不同的服务器上</a:t>
+            </a:r>
+            <a:r>
+              <a:rPr lang="en-US" altLang="zh-CN" sz="1700" dirty="0"/>
+              <a:t>,</a:t>
+            </a:r>
+            <a:r>
+              <a:rPr lang="zh-CN" altLang="en-US" sz="1700" dirty="0"/>
+              <a:t>这样服务器挂了之后</a:t>
+            </a:r>
+            <a:r>
+              <a:rPr lang="en-US" altLang="zh-CN" sz="1700" dirty="0"/>
+              <a:t>,</a:t>
+            </a:r>
+            <a:r>
+              <a:rPr lang="zh-CN" altLang="en-US" sz="1700" dirty="0"/>
+              <a:t>搜索任务依然可用</a:t>
+            </a:r>
+            <a:r>
+              <a:rPr lang="en-US" altLang="zh-CN" sz="1700" dirty="0"/>
+              <a:t>.</a:t>
+            </a:r>
+          </a:p>
+          <a:p>
+            <a:pPr marL="0" indent="0">
+              <a:buNone/>
+            </a:pPr>
+            <a:r>
+              <a:rPr lang="en-US" altLang="zh-CN" sz="1700" dirty="0"/>
+              <a:t>	2: </a:t>
+            </a:r>
+            <a:r>
+              <a:rPr lang="zh-CN" altLang="en-US" sz="1700" dirty="0"/>
+              <a:t>扩展搜索量</a:t>
+            </a:r>
+            <a:r>
+              <a:rPr lang="en-US" altLang="zh-CN" sz="1700" dirty="0"/>
+              <a:t>, </a:t>
+            </a:r>
+            <a:r>
+              <a:rPr lang="zh-CN" altLang="en-US" sz="1700" dirty="0"/>
+              <a:t>因为可以在所有副本上并行执行搜索任务</a:t>
+            </a:r>
+            <a:r>
+              <a:rPr lang="en-US" altLang="zh-CN" sz="1700" dirty="0"/>
+              <a:t>.</a:t>
+            </a:r>
+            <a:endParaRPr lang="zh-CN" altLang="en-US" sz="1700" dirty="0"/>
+          </a:p>
+          <a:p>
+            <a:pPr marL="0" indent="0">
+              <a:buNone/>
+            </a:pPr>
             <a:endParaRPr lang="zh-CN" altLang="en-US" dirty="0"/>
           </a:p>
         </p:txBody>
@@ -5102,7 +5411,240 @@
     </p:spTree>
     <p:extLst>
       <p:ext uri="{BB962C8B-B14F-4D97-AF65-F5344CB8AC3E}">
-        <p14:creationId xmlns:p14="http://schemas.microsoft.com/office/powerpoint/2010/main" val="4119243612"/>
+        <p14:creationId xmlns:p14="http://schemas.microsoft.com/office/powerpoint/2010/main" val="4048420521"/>
+      </p:ext>
+    </p:extLst>
+  </p:cSld>
+  <p:clrMapOvr>
+    <a:masterClrMapping/>
+  </p:clrMapOvr>
+</p:sld>
+</file>
+
+<file path=ppt/slides/slide7.xml><?xml version="1.0" encoding="utf-8"?>
+<p:sld xmlns:a="http://schemas.openxmlformats.org/drawingml/2006/main" xmlns:r="http://schemas.openxmlformats.org/officeDocument/2006/relationships" xmlns:p="http://schemas.openxmlformats.org/presentationml/2006/main">
+  <p:cSld>
+    <p:spTree>
+      <p:nvGrpSpPr>
+        <p:cNvPr id="1" name=""/>
+        <p:cNvGrpSpPr/>
+        <p:nvPr/>
+      </p:nvGrpSpPr>
+      <p:grpSpPr>
+        <a:xfrm>
+          <a:off x="0" y="0"/>
+          <a:ext cx="0" cy="0"/>
+          <a:chOff x="0" y="0"/>
+          <a:chExt cx="0" cy="0"/>
+        </a:xfrm>
+      </p:grpSpPr>
+      <p:sp>
+        <p:nvSpPr>
+          <p:cNvPr id="2" name="标题 1">
+            <a:extLst>
+              <a:ext uri="{FF2B5EF4-FFF2-40B4-BE49-F238E27FC236}">
+                <a16:creationId xmlns:a16="http://schemas.microsoft.com/office/drawing/2014/main" id="{4490DC83-CF53-44AE-B2F4-E24E6CE5FE95}"/>
+              </a:ext>
+            </a:extLst>
+          </p:cNvPr>
+          <p:cNvSpPr>
+            <a:spLocks noGrp="1"/>
+          </p:cNvSpPr>
+          <p:nvPr>
+            <p:ph type="title"/>
+          </p:nvPr>
+        </p:nvSpPr>
+        <p:spPr/>
+        <p:txBody>
+          <a:bodyPr/>
+          <a:lstStyle/>
+          <a:p>
+            <a:r>
+              <a:rPr lang="zh-CN" altLang="en-US" dirty="0"/>
+              <a:t>样例数据</a:t>
+            </a:r>
+          </a:p>
+        </p:txBody>
+      </p:sp>
+      <p:sp>
+        <p:nvSpPr>
+          <p:cNvPr id="3" name="内容占位符 2">
+            <a:extLst>
+              <a:ext uri="{FF2B5EF4-FFF2-40B4-BE49-F238E27FC236}">
+                <a16:creationId xmlns:a16="http://schemas.microsoft.com/office/drawing/2014/main" id="{C95BE98B-A45A-48C3-8767-4EB2D92C8C1D}"/>
+              </a:ext>
+            </a:extLst>
+          </p:cNvPr>
+          <p:cNvSpPr>
+            <a:spLocks noGrp="1"/>
+          </p:cNvSpPr>
+          <p:nvPr>
+            <p:ph idx="1"/>
+          </p:nvPr>
+        </p:nvSpPr>
+        <p:spPr/>
+        <p:txBody>
+          <a:bodyPr/>
+          <a:lstStyle/>
+          <a:p>
+            <a:r>
+              <a:rPr lang="zh-CN" altLang="en-US" dirty="0"/>
+              <a:t>日志数据样例</a:t>
+            </a:r>
+            <a:endParaRPr lang="en-US" altLang="zh-CN" dirty="0"/>
+          </a:p>
+          <a:p>
+            <a:pPr marL="0" indent="0">
+              <a:buNone/>
+            </a:pPr>
+            <a:r>
+              <a:rPr lang="en-US" altLang="zh-CN" dirty="0"/>
+              <a:t>   </a:t>
+            </a:r>
+            <a:r>
+              <a:rPr lang="zh-CN" altLang="en-US" sz="1600" dirty="0"/>
+              <a:t>记录用户请求详情</a:t>
+            </a:r>
+            <a:r>
+              <a:rPr lang="en-US" altLang="zh-CN" sz="1600" dirty="0"/>
+              <a:t>(</a:t>
+            </a:r>
+            <a:r>
+              <a:rPr lang="zh-CN" altLang="en-US" sz="1600" dirty="0"/>
+              <a:t>用户浏览器</a:t>
+            </a:r>
+            <a:r>
+              <a:rPr lang="en-US" altLang="zh-CN" sz="1600" dirty="0"/>
+              <a:t>,</a:t>
+            </a:r>
+            <a:r>
+              <a:rPr lang="zh-CN" altLang="en-US" sz="1600" dirty="0"/>
+              <a:t>用户</a:t>
+            </a:r>
+            <a:r>
+              <a:rPr lang="en-US" altLang="zh-CN" sz="1600" dirty="0" err="1"/>
+              <a:t>ip</a:t>
+            </a:r>
+            <a:r>
+              <a:rPr lang="en-US" altLang="zh-CN" sz="1600" dirty="0"/>
+              <a:t>,</a:t>
+            </a:r>
+            <a:r>
+              <a:rPr lang="zh-CN" altLang="en-US" sz="1600" dirty="0"/>
+              <a:t>服务器响应</a:t>
+            </a:r>
+            <a:r>
+              <a:rPr lang="en-US" altLang="zh-CN" sz="1600" dirty="0"/>
+              <a:t>,</a:t>
+            </a:r>
+            <a:r>
+              <a:rPr lang="zh-CN" altLang="en-US" sz="1600" dirty="0"/>
+              <a:t>处理服务器</a:t>
+            </a:r>
+            <a:r>
+              <a:rPr lang="en-US" altLang="zh-CN" sz="1600" dirty="0" err="1"/>
+              <a:t>ip</a:t>
+            </a:r>
+            <a:r>
+              <a:rPr lang="en-US" altLang="zh-CN" sz="1600" dirty="0"/>
+              <a:t> ram memory,</a:t>
+            </a:r>
+            <a:r>
+              <a:rPr lang="zh-CN" altLang="en-US" sz="1600" dirty="0"/>
+              <a:t>用户地理位置</a:t>
+            </a:r>
+            <a:r>
+              <a:rPr lang="en-US" altLang="zh-CN" sz="1600" dirty="0"/>
+              <a:t>)</a:t>
+            </a:r>
+          </a:p>
+          <a:p>
+            <a:r>
+              <a:rPr lang="zh-CN" altLang="en-US" dirty="0"/>
+              <a:t>航班数据样例</a:t>
+            </a:r>
+            <a:endParaRPr lang="en-US" altLang="zh-CN" dirty="0"/>
+          </a:p>
+          <a:p>
+            <a:pPr marL="0" indent="0">
+              <a:buNone/>
+            </a:pPr>
+            <a:r>
+              <a:rPr lang="en-US" altLang="zh-CN" dirty="0"/>
+              <a:t>   </a:t>
+            </a:r>
+            <a:r>
+              <a:rPr lang="zh-CN" altLang="en-US" sz="1600" dirty="0"/>
+              <a:t>记录航班详情</a:t>
+            </a:r>
+            <a:r>
+              <a:rPr lang="en-US" altLang="zh-CN" sz="1600" dirty="0"/>
+              <a:t>(</a:t>
+            </a:r>
+            <a:r>
+              <a:rPr lang="zh-CN" altLang="en-US" sz="1600" dirty="0"/>
+              <a:t>记录航班的起始地</a:t>
+            </a:r>
+            <a:r>
+              <a:rPr lang="en-US" altLang="zh-CN" sz="1600" dirty="0"/>
+              <a:t>-&gt;</a:t>
+            </a:r>
+            <a:r>
+              <a:rPr lang="zh-CN" altLang="en-US" sz="1600" dirty="0"/>
+              <a:t>目的地的距离 时间详情</a:t>
+            </a:r>
+            <a:r>
+              <a:rPr lang="en-US" altLang="zh-CN" sz="1600" dirty="0"/>
+              <a:t>)</a:t>
+            </a:r>
+          </a:p>
+          <a:p>
+            <a:r>
+              <a:rPr lang="zh-CN" altLang="en-US" dirty="0"/>
+              <a:t>用户订单的商业数据</a:t>
+            </a:r>
+            <a:endParaRPr lang="en-US" altLang="zh-CN" dirty="0"/>
+          </a:p>
+          <a:p>
+            <a:pPr marL="0" indent="0">
+              <a:buNone/>
+            </a:pPr>
+            <a:r>
+              <a:rPr lang="en-US" altLang="zh-CN" sz="1600" dirty="0"/>
+              <a:t>      </a:t>
+            </a:r>
+            <a:r>
+              <a:rPr lang="zh-CN" altLang="en-US" sz="1600" dirty="0"/>
+              <a:t>记录顾客订单详情</a:t>
+            </a:r>
+            <a:r>
+              <a:rPr lang="en-US" altLang="zh-CN" sz="1600" dirty="0"/>
+              <a:t>(</a:t>
+            </a:r>
+            <a:r>
+              <a:rPr lang="zh-CN" altLang="en-US" sz="1600" dirty="0"/>
+              <a:t>订单中的商品数据</a:t>
+            </a:r>
+            <a:r>
+              <a:rPr lang="en-US" altLang="zh-CN" sz="1600" dirty="0"/>
+              <a:t>,</a:t>
+            </a:r>
+            <a:r>
+              <a:rPr lang="zh-CN" altLang="en-US" sz="1600"/>
+              <a:t>税前 税后价</a:t>
+            </a:r>
+            <a:r>
+              <a:rPr lang="en-US" altLang="zh-CN" sz="1600" dirty="0"/>
+              <a:t>)</a:t>
+            </a:r>
+            <a:endParaRPr lang="zh-CN" altLang="en-US" sz="1600" dirty="0"/>
+          </a:p>
+        </p:txBody>
+      </p:sp>
+    </p:spTree>
+    <p:extLst>
+      <p:ext uri="{BB962C8B-B14F-4D97-AF65-F5344CB8AC3E}">
+        <p14:creationId xmlns:p14="http://schemas.microsoft.com/office/powerpoint/2010/main" val="978986271"/>
       </p:ext>
     </p:extLst>
   </p:cSld>
